--- a/course-material/personal-setup.pptx
+++ b/course-material/personal-setup.pptx
@@ -109,6 +109,11 @@
       </a:defRPr>
     </a:lvl9pPr>
   </p:defaultTextStyle>
+  <p:extLst>
+    <p:ext uri="{EFAFB233-063F-42B5-8137-9DF3F51BA10A}">
+      <p15:sldGuideLst xmlns:p15="http://schemas.microsoft.com/office/powerpoint/2012/main"/>
+    </p:ext>
+  </p:extLst>
 </p:presentation>
 </file>
 
@@ -4372,7 +4377,11 @@
               <a:t>browse the </a:t>
             </a:r>
             <a:r>
-              <a:rPr lang="en-GB" dirty="0" err="1"/>
+              <a:rPr lang="en-GB" dirty="0" err="1">
+                <a:latin typeface="Menlo" panose="020B0609030804020204" pitchFamily="49" charset="0"/>
+                <a:ea typeface="Menlo" panose="020B0609030804020204" pitchFamily="49" charset="0"/>
+                <a:cs typeface="Menlo" panose="020B0609030804020204" pitchFamily="49" charset="0"/>
+              </a:rPr>
               <a:t>micc</a:t>
             </a:r>
             <a:r>
@@ -4401,7 +4410,7 @@
             <a:pPr lvl="1"/>
             <a:r>
               <a:rPr lang="en-GB" dirty="0"/>
-              <a:t>or in the git repo ~/workspace/pp</a:t>
+              <a:t>or in the course’s git repository</a:t>
             </a:r>
           </a:p>
           <a:p>
@@ -4490,6 +4499,14 @@
               </a:rPr>
               <a:t>index.html</a:t>
             </a:r>
+            <a:endParaRPr lang="en-GB">
+              <a:latin typeface="Menlo" panose="020B0609030804020204" pitchFamily="49" charset="0"/>
+              <a:ea typeface="Menlo" panose="020B0609030804020204" pitchFamily="49" charset="0"/>
+              <a:cs typeface="Menlo" panose="020B0609030804020204" pitchFamily="49" charset="0"/>
+            </a:endParaRPr>
+          </a:p>
+          <a:p>
+            <a:pPr lvl="2"/>
             <a:endParaRPr lang="en-GB" dirty="0">
               <a:latin typeface="Menlo" panose="020B0609030804020204" pitchFamily="49" charset="0"/>
               <a:ea typeface="Menlo" panose="020B0609030804020204" pitchFamily="49" charset="0"/>

--- a/course-material/personal-setup.pptx
+++ b/course-material/personal-setup.pptx
@@ -6,11 +6,14 @@
   </p:sldMasterIdLst>
   <p:sldIdLst>
     <p:sldId id="256" r:id="rId2"/>
-    <p:sldId id="257" r:id="rId3"/>
-    <p:sldId id="258" r:id="rId4"/>
-    <p:sldId id="259" r:id="rId5"/>
-    <p:sldId id="260" r:id="rId6"/>
-    <p:sldId id="261" r:id="rId7"/>
+    <p:sldId id="262" r:id="rId3"/>
+    <p:sldId id="257" r:id="rId4"/>
+    <p:sldId id="258" r:id="rId5"/>
+    <p:sldId id="259" r:id="rId6"/>
+    <p:sldId id="260" r:id="rId7"/>
+    <p:sldId id="263" r:id="rId8"/>
+    <p:sldId id="264" r:id="rId9"/>
+    <p:sldId id="261" r:id="rId10"/>
   </p:sldIdLst>
   <p:sldSz cx="12192000" cy="6858000"/>
   <p:notesSz cx="6858000" cy="9144000"/>
@@ -3349,12 +3352,29 @@
         </p:nvSpPr>
         <p:spPr/>
         <p:txBody>
-          <a:bodyPr/>
-          <a:lstStyle/>
-          <a:p>
-            <a:r>
-              <a:rPr lang="en-GB" dirty="0"/>
-              <a:t>setting up your personal environment</a:t>
+          <a:bodyPr>
+            <a:normAutofit fontScale="90000"/>
+          </a:bodyPr>
+          <a:lstStyle/>
+          <a:p>
+            <a:r>
+              <a:rPr lang="en-GB" dirty="0"/>
+              <a:t>Setting up your </a:t>
+            </a:r>
+            <a:br>
+              <a:rPr lang="en-GB" dirty="0"/>
+            </a:br>
+            <a:r>
+              <a:rPr lang="en-GB" dirty="0"/>
+              <a:t>personalized </a:t>
+            </a:r>
+            <a:r>
+              <a:rPr lang="en-GB" dirty="0" err="1"/>
+              <a:t>micc</a:t>
+            </a:r>
+            <a:r>
+              <a:rPr lang="en-GB" dirty="0"/>
+              <a:t> environment</a:t>
             </a:r>
           </a:p>
         </p:txBody>
@@ -3377,19 +3397,70 @@
         </p:nvSpPr>
         <p:spPr/>
         <p:txBody>
-          <a:bodyPr/>
-          <a:lstStyle/>
-          <a:p>
-            <a:r>
-              <a:rPr lang="en-GB" dirty="0"/>
-              <a:t>Parallel Programming 2020-2021</a:t>
-            </a:r>
-          </a:p>
-          <a:p>
-            <a:r>
-              <a:rPr lang="en-GB" dirty="0"/>
-              <a:t>Bert Tijskens</a:t>
-            </a:r>
+          <a:bodyPr>
+            <a:normAutofit fontScale="70000" lnSpcReduction="20000"/>
+          </a:bodyPr>
+          <a:lstStyle/>
+          <a:p>
+            <a:r>
+              <a:rPr lang="en-GB" dirty="0" err="1"/>
+              <a:t>micc</a:t>
+            </a:r>
+            <a:r>
+              <a:rPr lang="en-GB" dirty="0"/>
+              <a:t> was built for </a:t>
+            </a:r>
+          </a:p>
+          <a:p>
+            <a:r>
+              <a:rPr lang="en-GB" dirty="0"/>
+              <a:t>University of Antwerp course on</a:t>
+            </a:r>
+            <a:br>
+              <a:rPr lang="en-GB" dirty="0"/>
+            </a:br>
+            <a:r>
+              <a:rPr lang="en-GB" dirty="0"/>
+              <a:t> </a:t>
+            </a:r>
+            <a:r>
+              <a:rPr lang="en-GB" i="1" dirty="0"/>
+              <a:t>Parallel Programming</a:t>
+            </a:r>
+          </a:p>
+          <a:p>
+            <a:r>
+              <a:rPr lang="en-GB" dirty="0" err="1"/>
+              <a:t>CalcUA</a:t>
+            </a:r>
+            <a:r>
+              <a:rPr lang="en-GB" dirty="0"/>
+              <a:t> Course on </a:t>
+            </a:r>
+            <a:br>
+              <a:rPr lang="en-GB" dirty="0"/>
+            </a:br>
+            <a:r>
+              <a:rPr lang="en-GB" i="1" dirty="0"/>
+              <a:t>High Performance Python – software development for PhD students and Postdocs</a:t>
+            </a:r>
+          </a:p>
+          <a:p>
+            <a:r>
+              <a:rPr lang="en-GB" dirty="0"/>
+              <a:t>by </a:t>
+            </a:r>
+            <a:r>
+              <a:rPr lang="en-GB" dirty="0">
+                <a:hlinkClick r:id="rId2"/>
+              </a:rPr>
+              <a:t>engelbert.tijskens@uantwerpen.be</a:t>
+            </a:r>
+            <a:r>
+              <a:rPr lang="en-GB"/>
+              <a:t> </a:t>
+            </a:r>
+            <a:endParaRPr lang="en-GB" dirty="0"/>
           </a:p>
         </p:txBody>
       </p:sp>
@@ -3407,6 +3478,141 @@
 </file>
 
 <file path=ppt/slides/slide2.xml><?xml version="1.0" encoding="utf-8"?>
+<p:sld xmlns:a="http://schemas.openxmlformats.org/drawingml/2006/main" xmlns:r="http://schemas.openxmlformats.org/officeDocument/2006/relationships" xmlns:p="http://schemas.openxmlformats.org/presentationml/2006/main">
+  <p:cSld>
+    <p:spTree>
+      <p:nvGrpSpPr>
+        <p:cNvPr id="1" name=""/>
+        <p:cNvGrpSpPr/>
+        <p:nvPr/>
+      </p:nvGrpSpPr>
+      <p:grpSpPr>
+        <a:xfrm>
+          <a:off x="0" y="0"/>
+          <a:ext cx="0" cy="0"/>
+          <a:chOff x="0" y="0"/>
+          <a:chExt cx="0" cy="0"/>
+        </a:xfrm>
+      </p:grpSpPr>
+      <p:sp>
+        <p:nvSpPr>
+          <p:cNvPr id="2" name="Title 1">
+            <a:extLst>
+              <a:ext uri="{FF2B5EF4-FFF2-40B4-BE49-F238E27FC236}">
+                <a16:creationId xmlns:a16="http://schemas.microsoft.com/office/drawing/2014/main" id="{33821F92-B6DD-2543-8887-084343486686}"/>
+              </a:ext>
+            </a:extLst>
+          </p:cNvPr>
+          <p:cNvSpPr>
+            <a:spLocks noGrp="1"/>
+          </p:cNvSpPr>
+          <p:nvPr>
+            <p:ph type="title"/>
+          </p:nvPr>
+        </p:nvSpPr>
+        <p:spPr/>
+        <p:txBody>
+          <a:bodyPr/>
+          <a:lstStyle/>
+          <a:p>
+            <a:r>
+              <a:rPr lang="en-GB" dirty="0"/>
+              <a:t>Development of Python/C++/Fortran projects with </a:t>
+            </a:r>
+            <a:r>
+              <a:rPr lang="en-GB" dirty="0" err="1"/>
+              <a:t>micc</a:t>
+            </a:r>
+            <a:endParaRPr lang="en-GB" dirty="0"/>
+          </a:p>
+        </p:txBody>
+      </p:sp>
+      <p:sp>
+        <p:nvSpPr>
+          <p:cNvPr id="3" name="Content Placeholder 2">
+            <a:extLst>
+              <a:ext uri="{FF2B5EF4-FFF2-40B4-BE49-F238E27FC236}">
+                <a16:creationId xmlns:a16="http://schemas.microsoft.com/office/drawing/2014/main" id="{69793ED4-F19F-D542-9E39-FA8F36A655B2}"/>
+              </a:ext>
+            </a:extLst>
+          </p:cNvPr>
+          <p:cNvSpPr>
+            <a:spLocks noGrp="1"/>
+          </p:cNvSpPr>
+          <p:nvPr>
+            <p:ph idx="1"/>
+          </p:nvPr>
+        </p:nvSpPr>
+        <p:spPr/>
+        <p:txBody>
+          <a:bodyPr/>
+          <a:lstStyle/>
+          <a:p>
+            <a:r>
+              <a:rPr lang="en-GB" dirty="0"/>
+              <a:t>This document assumes that all the tools of the development environment have been setup as described in </a:t>
+            </a:r>
+            <a:r>
+              <a:rPr lang="en-GB" dirty="0">
+                <a:hlinkClick r:id="rId2"/>
+              </a:rPr>
+              <a:t>https://micc.readthedocs.io/en/master/devenv.html</a:t>
+            </a:r>
+            <a:r>
+              <a:rPr lang="en-GB" dirty="0"/>
+              <a:t>.</a:t>
+            </a:r>
+          </a:p>
+          <a:p>
+            <a:r>
+              <a:rPr lang="en-GB" dirty="0"/>
+              <a:t>An Ubuntu 20.10 virtual machine for VirtualBox with all tools installed can be downloaded from </a:t>
+            </a:r>
+            <a:r>
+              <a:rPr lang="en-GB" dirty="0">
+                <a:hlinkClick r:id="rId3"/>
+              </a:rPr>
+              <a:t>https://to/be/filled/in</a:t>
+            </a:r>
+            <a:r>
+              <a:rPr lang="en-GB" dirty="0"/>
+              <a:t> .</a:t>
+            </a:r>
+          </a:p>
+          <a:p>
+            <a:r>
+              <a:rPr lang="en-GB" dirty="0"/>
+              <a:t>This document describes how to customize the environment for so that </a:t>
+            </a:r>
+            <a:r>
+              <a:rPr lang="en-GB" dirty="0" err="1"/>
+              <a:t>micc</a:t>
+            </a:r>
+            <a:r>
+              <a:rPr lang="en-GB" dirty="0"/>
+              <a:t> is able to automatically create GitHub repos for the projects you create. </a:t>
+            </a:r>
+          </a:p>
+          <a:p>
+            <a:pPr lvl="1"/>
+            <a:endParaRPr lang="en-GB" dirty="0"/>
+          </a:p>
+        </p:txBody>
+      </p:sp>
+    </p:spTree>
+    <p:extLst>
+      <p:ext uri="{BB962C8B-B14F-4D97-AF65-F5344CB8AC3E}">
+        <p14:creationId xmlns:p14="http://schemas.microsoft.com/office/powerpoint/2010/main" val="4052796549"/>
+      </p:ext>
+    </p:extLst>
+  </p:cSld>
+  <p:clrMapOvr>
+    <a:masterClrMapping/>
+  </p:clrMapOvr>
+</p:sld>
+</file>
+
+<file path=ppt/slides/slide3.xml><?xml version="1.0" encoding="utf-8"?>
 <p:sld xmlns:a="http://schemas.openxmlformats.org/drawingml/2006/main" xmlns:r="http://schemas.openxmlformats.org/officeDocument/2006/relationships" xmlns:p="http://schemas.openxmlformats.org/presentationml/2006/main">
   <p:cSld>
     <p:spTree>
@@ -3540,7 +3746,7 @@
 </p:sld>
 </file>
 
-<file path=ppt/slides/slide3.xml><?xml version="1.0" encoding="utf-8"?>
+<file path=ppt/slides/slide4.xml><?xml version="1.0" encoding="utf-8"?>
 <p:sld xmlns:a="http://schemas.openxmlformats.org/drawingml/2006/main" xmlns:r="http://schemas.openxmlformats.org/officeDocument/2006/relationships" xmlns:p="http://schemas.openxmlformats.org/presentationml/2006/main">
   <p:cSld>
     <p:spTree>
@@ -3687,228 +3893,6 @@
 </p:sld>
 </file>
 
-<file path=ppt/slides/slide4.xml><?xml version="1.0" encoding="utf-8"?>
-<p:sld xmlns:a="http://schemas.openxmlformats.org/drawingml/2006/main" xmlns:r="http://schemas.openxmlformats.org/officeDocument/2006/relationships" xmlns:p="http://schemas.openxmlformats.org/presentationml/2006/main">
-  <p:cSld>
-    <p:spTree>
-      <p:nvGrpSpPr>
-        <p:cNvPr id="1" name=""/>
-        <p:cNvGrpSpPr/>
-        <p:nvPr/>
-      </p:nvGrpSpPr>
-      <p:grpSpPr>
-        <a:xfrm>
-          <a:off x="0" y="0"/>
-          <a:ext cx="0" cy="0"/>
-          <a:chOff x="0" y="0"/>
-          <a:chExt cx="0" cy="0"/>
-        </a:xfrm>
-      </p:grpSpPr>
-      <p:sp>
-        <p:nvSpPr>
-          <p:cNvPr id="2" name="Title 1">
-            <a:extLst>
-              <a:ext uri="{FF2B5EF4-FFF2-40B4-BE49-F238E27FC236}">
-                <a16:creationId xmlns:a16="http://schemas.microsoft.com/office/drawing/2014/main" id="{D9EB2AB2-1DEE-E743-AFD5-BB17661AB650}"/>
-              </a:ext>
-            </a:extLst>
-          </p:cNvPr>
-          <p:cNvSpPr>
-            <a:spLocks noGrp="1"/>
-          </p:cNvSpPr>
-          <p:nvPr>
-            <p:ph type="title"/>
-          </p:nvPr>
-        </p:nvSpPr>
-        <p:spPr/>
-        <p:txBody>
-          <a:bodyPr/>
-          <a:lstStyle/>
-          <a:p>
-            <a:r>
-              <a:rPr lang="en-GB" dirty="0"/>
-              <a:t>Create a personal access token (PAT)</a:t>
-            </a:r>
-          </a:p>
-        </p:txBody>
-      </p:sp>
-      <p:sp>
-        <p:nvSpPr>
-          <p:cNvPr id="3" name="Content Placeholder 2">
-            <a:extLst>
-              <a:ext uri="{FF2B5EF4-FFF2-40B4-BE49-F238E27FC236}">
-                <a16:creationId xmlns:a16="http://schemas.microsoft.com/office/drawing/2014/main" id="{48A68473-386F-8543-90E8-F3828BFB53AD}"/>
-              </a:ext>
-            </a:extLst>
-          </p:cNvPr>
-          <p:cNvSpPr>
-            <a:spLocks noGrp="1"/>
-          </p:cNvSpPr>
-          <p:nvPr>
-            <p:ph idx="1"/>
-          </p:nvPr>
-        </p:nvSpPr>
-        <p:spPr>
-          <a:xfrm>
-            <a:off x="838200" y="1690688"/>
-            <a:ext cx="10515600" cy="4351338"/>
-          </a:xfrm>
-        </p:spPr>
-        <p:txBody>
-          <a:bodyPr>
-            <a:normAutofit fontScale="92500" lnSpcReduction="10000"/>
-          </a:bodyPr>
-          <a:lstStyle/>
-          <a:p>
-            <a:r>
-              <a:rPr lang="en-GB" dirty="0"/>
-              <a:t>follow this guide: </a:t>
-            </a:r>
-            <a:r>
-              <a:rPr lang="en-GB" dirty="0">
-                <a:hlinkClick r:id="rId2"/>
-              </a:rPr>
-              <a:t>https://docs.github.com/en/github/authenticating-to-github/creating-a-personal-access-token</a:t>
-            </a:r>
-            <a:r>
-              <a:rPr lang="en-GB" dirty="0"/>
-              <a:t> </a:t>
-            </a:r>
-          </a:p>
-          <a:p>
-            <a:r>
-              <a:rPr lang="en-GB" dirty="0"/>
-              <a:t>At point 7 check at least these boxes:</a:t>
-            </a:r>
-          </a:p>
-          <a:p>
-            <a:pPr lvl="1"/>
-            <a:r>
-              <a:rPr lang="en-GB" dirty="0"/>
-              <a:t>repo</a:t>
-            </a:r>
-          </a:p>
-          <a:p>
-            <a:pPr lvl="1"/>
-            <a:r>
-              <a:rPr lang="en-GB" dirty="0" err="1"/>
-              <a:t>read:org</a:t>
-            </a:r>
-            <a:endParaRPr lang="en-GB" dirty="0"/>
-          </a:p>
-          <a:p>
-            <a:r>
-              <a:rPr lang="en-GB" dirty="0"/>
-              <a:t>After point 9 (copying the token), paste it in a text file </a:t>
-            </a:r>
-            <a:r>
-              <a:rPr lang="en-GB" sz="2000" dirty="0">
-                <a:latin typeface="Menlo" panose="020B0609030804020204" pitchFamily="49" charset="0"/>
-                <a:ea typeface="Menlo" panose="020B0609030804020204" pitchFamily="49" charset="0"/>
-                <a:cs typeface="Menlo" panose="020B0609030804020204" pitchFamily="49" charset="0"/>
-              </a:rPr>
-              <a:t>.</a:t>
-            </a:r>
-            <a:r>
-              <a:rPr lang="en-GB" sz="2000" dirty="0" err="1">
-                <a:latin typeface="Menlo" panose="020B0609030804020204" pitchFamily="49" charset="0"/>
-                <a:ea typeface="Menlo" panose="020B0609030804020204" pitchFamily="49" charset="0"/>
-                <a:cs typeface="Menlo" panose="020B0609030804020204" pitchFamily="49" charset="0"/>
-              </a:rPr>
-              <a:t>pat.txt</a:t>
-            </a:r>
-            <a:r>
-              <a:rPr lang="en-GB" sz="2000" dirty="0"/>
-              <a:t> </a:t>
-            </a:r>
-            <a:r>
-              <a:rPr lang="en-GB" dirty="0"/>
-              <a:t>in your home directory. Type this command in a terminal:</a:t>
-            </a:r>
-            <a:br>
-              <a:rPr lang="en-GB" dirty="0"/>
-            </a:br>
-            <a:br>
-              <a:rPr lang="en-GB" dirty="0"/>
-            </a:br>
-            <a:r>
-              <a:rPr lang="en-GB" sz="2000" dirty="0">
-                <a:latin typeface="Menlo" panose="020B0609030804020204" pitchFamily="49" charset="0"/>
-                <a:ea typeface="Menlo" panose="020B0609030804020204" pitchFamily="49" charset="0"/>
-                <a:cs typeface="Menlo" panose="020B0609030804020204" pitchFamily="49" charset="0"/>
-              </a:rPr>
-              <a:t>$ echo </a:t>
-            </a:r>
-            <a:r>
-              <a:rPr lang="en-GB" sz="2000" dirty="0" err="1">
-                <a:latin typeface="Menlo" panose="020B0609030804020204" pitchFamily="49" charset="0"/>
-                <a:ea typeface="Menlo" panose="020B0609030804020204" pitchFamily="49" charset="0"/>
-                <a:cs typeface="Menlo" panose="020B0609030804020204" pitchFamily="49" charset="0"/>
-              </a:rPr>
-              <a:t>shift+ctrl+V</a:t>
-            </a:r>
-            <a:r>
-              <a:rPr lang="en-GB" sz="2000" dirty="0">
-                <a:latin typeface="Menlo" panose="020B0609030804020204" pitchFamily="49" charset="0"/>
-                <a:ea typeface="Menlo" panose="020B0609030804020204" pitchFamily="49" charset="0"/>
-                <a:cs typeface="Menlo" panose="020B0609030804020204" pitchFamily="49" charset="0"/>
-              </a:rPr>
-              <a:t> &gt; ~/.</a:t>
-            </a:r>
-            <a:r>
-              <a:rPr lang="en-GB" sz="2000" dirty="0" err="1">
-                <a:latin typeface="Menlo" panose="020B0609030804020204" pitchFamily="49" charset="0"/>
-                <a:ea typeface="Menlo" panose="020B0609030804020204" pitchFamily="49" charset="0"/>
-                <a:cs typeface="Menlo" panose="020B0609030804020204" pitchFamily="49" charset="0"/>
-              </a:rPr>
-              <a:t>pat.txt</a:t>
-            </a:r>
-            <a:endParaRPr lang="en-GB" sz="2000" dirty="0">
-              <a:latin typeface="Menlo" panose="020B0609030804020204" pitchFamily="49" charset="0"/>
-              <a:ea typeface="Menlo" panose="020B0609030804020204" pitchFamily="49" charset="0"/>
-              <a:cs typeface="Menlo" panose="020B0609030804020204" pitchFamily="49" charset="0"/>
-            </a:endParaRPr>
-          </a:p>
-          <a:p>
-            <a:endParaRPr lang="en-GB" sz="2000" dirty="0">
-              <a:latin typeface="Menlo" panose="020B0609030804020204" pitchFamily="49" charset="0"/>
-              <a:ea typeface="Menlo" panose="020B0609030804020204" pitchFamily="49" charset="0"/>
-              <a:cs typeface="Menlo" panose="020B0609030804020204" pitchFamily="49" charset="0"/>
-            </a:endParaRPr>
-          </a:p>
-          <a:p>
-            <a:r>
-              <a:rPr lang="en-GB" dirty="0" err="1"/>
-              <a:t>micc</a:t>
-            </a:r>
-            <a:r>
-              <a:rPr lang="en-GB" dirty="0"/>
-              <a:t> uses this file to automatically create a GitHub repo for your project</a:t>
-            </a:r>
-            <a:br>
-              <a:rPr lang="en-GB" dirty="0"/>
-            </a:br>
-            <a:endParaRPr lang="en-GB" sz="2200" dirty="0">
-              <a:latin typeface="Menlo" panose="020B0609030804020204" pitchFamily="49" charset="0"/>
-              <a:ea typeface="Menlo" panose="020B0609030804020204" pitchFamily="49" charset="0"/>
-              <a:cs typeface="Menlo" panose="020B0609030804020204" pitchFamily="49" charset="0"/>
-            </a:endParaRPr>
-          </a:p>
-        </p:txBody>
-      </p:sp>
-    </p:spTree>
-    <p:extLst>
-      <p:ext uri="{BB962C8B-B14F-4D97-AF65-F5344CB8AC3E}">
-        <p14:creationId xmlns:p14="http://schemas.microsoft.com/office/powerpoint/2010/main" val="456387654"/>
-      </p:ext>
-    </p:extLst>
-  </p:cSld>
-  <p:clrMapOvr>
-    <a:masterClrMapping/>
-  </p:clrMapOvr>
-</p:sld>
-</file>
-
 <file path=ppt/slides/slide5.xml><?xml version="1.0" encoding="utf-8"?>
 <p:sld xmlns:a="http://schemas.openxmlformats.org/drawingml/2006/main" xmlns:r="http://schemas.openxmlformats.org/officeDocument/2006/relationships" xmlns:p="http://schemas.openxmlformats.org/presentationml/2006/main">
   <p:cSld>
@@ -3931,7 +3915,7 @@
           <p:cNvPr id="2" name="Title 1">
             <a:extLst>
               <a:ext uri="{FF2B5EF4-FFF2-40B4-BE49-F238E27FC236}">
-                <a16:creationId xmlns:a16="http://schemas.microsoft.com/office/drawing/2014/main" id="{4A73D487-1E40-B146-BCEC-685207D5FC1E}"/>
+                <a16:creationId xmlns:a16="http://schemas.microsoft.com/office/drawing/2014/main" id="{D9EB2AB2-1DEE-E743-AFD5-BB17661AB650}"/>
               </a:ext>
             </a:extLst>
           </p:cNvPr>
@@ -3949,240 +3933,150 @@
           <a:p>
             <a:r>
               <a:rPr lang="en-GB" dirty="0"/>
-              <a:t>Setup </a:t>
-            </a:r>
+              <a:t>Create a personal access token for GitHub</a:t>
+            </a:r>
+          </a:p>
+        </p:txBody>
+      </p:sp>
+      <p:sp>
+        <p:nvSpPr>
+          <p:cNvPr id="3" name="Content Placeholder 2">
+            <a:extLst>
+              <a:ext uri="{FF2B5EF4-FFF2-40B4-BE49-F238E27FC236}">
+                <a16:creationId xmlns:a16="http://schemas.microsoft.com/office/drawing/2014/main" id="{48A68473-386F-8543-90E8-F3828BFB53AD}"/>
+              </a:ext>
+            </a:extLst>
+          </p:cNvPr>
+          <p:cNvSpPr>
+            <a:spLocks noGrp="1"/>
+          </p:cNvSpPr>
+          <p:nvPr>
+            <p:ph idx="1"/>
+          </p:nvPr>
+        </p:nvSpPr>
+        <p:spPr>
+          <a:xfrm>
+            <a:off x="838200" y="1690688"/>
+            <a:ext cx="10515600" cy="4351338"/>
+          </a:xfrm>
+        </p:spPr>
+        <p:txBody>
+          <a:bodyPr>
+            <a:normAutofit fontScale="92500" lnSpcReduction="20000"/>
+          </a:bodyPr>
+          <a:lstStyle/>
+          <a:p>
+            <a:r>
+              <a:rPr lang="en-GB" dirty="0"/>
+              <a:t>follow this guide: </a:t>
+            </a:r>
+            <a:r>
+              <a:rPr lang="en-GB" dirty="0">
+                <a:hlinkClick r:id="rId2"/>
+              </a:rPr>
+              <a:t>https://docs.github.com/en/github/authenticating-to-github/creating-a-personal-access-token</a:t>
+            </a:r>
+            <a:r>
+              <a:rPr lang="en-GB" dirty="0"/>
+              <a:t> </a:t>
+            </a:r>
+          </a:p>
+          <a:p>
+            <a:r>
+              <a:rPr lang="en-GB" dirty="0"/>
+              <a:t>At point 7 check at least these boxes:</a:t>
+            </a:r>
+          </a:p>
+          <a:p>
+            <a:pPr lvl="1"/>
+            <a:r>
+              <a:rPr lang="en-GB" dirty="0"/>
+              <a:t>repo</a:t>
+            </a:r>
+          </a:p>
+          <a:p>
+            <a:pPr lvl="1"/>
             <a:r>
               <a:rPr lang="en-GB" dirty="0" err="1"/>
-              <a:t>micc</a:t>
+              <a:t>read:org</a:t>
             </a:r>
             <a:endParaRPr lang="en-GB" dirty="0"/>
           </a:p>
-        </p:txBody>
-      </p:sp>
-      <p:sp>
-        <p:nvSpPr>
-          <p:cNvPr id="3" name="Content Placeholder 2">
-            <a:extLst>
-              <a:ext uri="{FF2B5EF4-FFF2-40B4-BE49-F238E27FC236}">
-                <a16:creationId xmlns:a16="http://schemas.microsoft.com/office/drawing/2014/main" id="{DA4E82C4-AB26-034A-B202-F75EA2E29360}"/>
-              </a:ext>
-            </a:extLst>
-          </p:cNvPr>
-          <p:cNvSpPr>
-            <a:spLocks noGrp="1"/>
-          </p:cNvSpPr>
-          <p:nvPr>
-            <p:ph idx="1"/>
-          </p:nvPr>
-        </p:nvSpPr>
-        <p:spPr/>
-        <p:txBody>
-          <a:bodyPr>
-            <a:normAutofit fontScale="77500" lnSpcReduction="20000"/>
-          </a:bodyPr>
-          <a:lstStyle/>
-          <a:p>
-            <a:pPr marL="314325" indent="-314325"/>
-            <a:r>
-              <a:rPr lang="en-GB" dirty="0"/>
-              <a:t>Type this command in a terminal and provide your name, e-mail address and GitHub username:</a:t>
+          <a:p>
+            <a:r>
+              <a:rPr lang="en-GB" dirty="0"/>
+              <a:t>After point 9 (copying the token), paste it in a text file </a:t>
+            </a:r>
+            <a:r>
+              <a:rPr lang="en-GB" sz="2000" dirty="0">
+                <a:latin typeface="Menlo" panose="020B0609030804020204" pitchFamily="49" charset="0"/>
+                <a:ea typeface="Menlo" panose="020B0609030804020204" pitchFamily="49" charset="0"/>
+                <a:cs typeface="Menlo" panose="020B0609030804020204" pitchFamily="49" charset="0"/>
+              </a:rPr>
+              <a:t>.</a:t>
+            </a:r>
+            <a:r>
+              <a:rPr lang="en-GB" sz="2000" dirty="0" err="1">
+                <a:latin typeface="Menlo" panose="020B0609030804020204" pitchFamily="49" charset="0"/>
+                <a:ea typeface="Menlo" panose="020B0609030804020204" pitchFamily="49" charset="0"/>
+                <a:cs typeface="Menlo" panose="020B0609030804020204" pitchFamily="49" charset="0"/>
+              </a:rPr>
+              <a:t>pat.txt</a:t>
+            </a:r>
+            <a:r>
+              <a:rPr lang="en-GB" sz="2000" dirty="0"/>
+              <a:t> </a:t>
+            </a:r>
+            <a:r>
+              <a:rPr lang="en-GB" dirty="0"/>
+              <a:t>in your home directory. Type this command in a terminal:</a:t>
             </a:r>
             <a:br>
               <a:rPr lang="en-GB" dirty="0"/>
             </a:br>
-            <a:endParaRPr lang="en-GB" sz="1600" dirty="0"/>
-          </a:p>
-          <a:p>
-            <a:pPr marL="0" indent="0">
-              <a:buNone/>
-            </a:pPr>
-            <a:r>
-              <a:rPr lang="en-GB" sz="1600" dirty="0">
-                <a:latin typeface="Menlo" panose="020B0609030804020204" pitchFamily="49" charset="0"/>
-                <a:ea typeface="Menlo" panose="020B0609030804020204" pitchFamily="49" charset="0"/>
-                <a:cs typeface="Menlo" panose="020B0609030804020204" pitchFamily="49" charset="0"/>
-              </a:rPr>
-              <a:t>$ </a:t>
-            </a:r>
-            <a:r>
-              <a:rPr lang="en-GB" sz="1600" dirty="0" err="1">
-                <a:latin typeface="Menlo" panose="020B0609030804020204" pitchFamily="49" charset="0"/>
-                <a:ea typeface="Menlo" panose="020B0609030804020204" pitchFamily="49" charset="0"/>
-                <a:cs typeface="Menlo" panose="020B0609030804020204" pitchFamily="49" charset="0"/>
-              </a:rPr>
-              <a:t>micc</a:t>
-            </a:r>
-            <a:r>
-              <a:rPr lang="en-GB" sz="1600" dirty="0">
-                <a:latin typeface="Menlo" panose="020B0609030804020204" pitchFamily="49" charset="0"/>
-                <a:ea typeface="Menlo" panose="020B0609030804020204" pitchFamily="49" charset="0"/>
-                <a:cs typeface="Menlo" panose="020B0609030804020204" pitchFamily="49" charset="0"/>
-              </a:rPr>
-              <a:t> setup </a:t>
-            </a:r>
-          </a:p>
-          <a:p>
-            <a:pPr marL="0" indent="0">
-              <a:buNone/>
-            </a:pPr>
-            <a:r>
-              <a:rPr lang="en-GB" sz="1600" dirty="0">
-                <a:latin typeface="Menlo" panose="020B0609030804020204" pitchFamily="49" charset="0"/>
-                <a:ea typeface="Menlo" panose="020B0609030804020204" pitchFamily="49" charset="0"/>
-                <a:cs typeface="Menlo" panose="020B0609030804020204" pitchFamily="49" charset="0"/>
-              </a:rPr>
-              <a:t>your full name [first-name last-name]: </a:t>
-            </a:r>
-            <a:r>
-              <a:rPr lang="en-GB" sz="1600" dirty="0">
-                <a:solidFill>
-                  <a:schemeClr val="accent6"/>
-                </a:solidFill>
-                <a:latin typeface="Menlo" panose="020B0609030804020204" pitchFamily="49" charset="0"/>
-                <a:ea typeface="Menlo" panose="020B0609030804020204" pitchFamily="49" charset="0"/>
-                <a:cs typeface="Menlo" panose="020B0609030804020204" pitchFamily="49" charset="0"/>
-              </a:rPr>
-              <a:t>John Doe</a:t>
-            </a:r>
-          </a:p>
-          <a:p>
-            <a:pPr marL="0" indent="0">
-              <a:buNone/>
-            </a:pPr>
-            <a:r>
-              <a:rPr lang="en-GB" sz="1600" dirty="0">
-                <a:latin typeface="Menlo" panose="020B0609030804020204" pitchFamily="49" charset="0"/>
-                <a:ea typeface="Menlo" panose="020B0609030804020204" pitchFamily="49" charset="0"/>
-                <a:cs typeface="Menlo" panose="020B0609030804020204" pitchFamily="49" charset="0"/>
-              </a:rPr>
-              <a:t>your e-mail address [</a:t>
-            </a:r>
-            <a:r>
-              <a:rPr lang="en-GB" sz="1600" dirty="0" err="1">
-                <a:latin typeface="Menlo" panose="020B0609030804020204" pitchFamily="49" charset="0"/>
-                <a:ea typeface="Menlo" panose="020B0609030804020204" pitchFamily="49" charset="0"/>
-                <a:cs typeface="Menlo" panose="020B0609030804020204" pitchFamily="49" charset="0"/>
-              </a:rPr>
-              <a:t>your.email@whatev.er</a:t>
-            </a:r>
-            <a:r>
-              <a:rPr lang="en-GB" sz="1600" dirty="0">
-                <a:latin typeface="Menlo" panose="020B0609030804020204" pitchFamily="49" charset="0"/>
-                <a:ea typeface="Menlo" panose="020B0609030804020204" pitchFamily="49" charset="0"/>
-                <a:cs typeface="Menlo" panose="020B0609030804020204" pitchFamily="49" charset="0"/>
-              </a:rPr>
-              <a:t>]: </a:t>
-            </a:r>
-            <a:r>
-              <a:rPr lang="en-GB" sz="1600" dirty="0" err="1">
-                <a:solidFill>
-                  <a:schemeClr val="accent6"/>
-                </a:solidFill>
-                <a:latin typeface="Menlo" panose="020B0609030804020204" pitchFamily="49" charset="0"/>
-                <a:ea typeface="Menlo" panose="020B0609030804020204" pitchFamily="49" charset="0"/>
-                <a:cs typeface="Menlo" panose="020B0609030804020204" pitchFamily="49" charset="0"/>
-              </a:rPr>
-              <a:t>john.doe@example.com</a:t>
-            </a:r>
-            <a:endParaRPr lang="en-GB" sz="1600" dirty="0">
-              <a:solidFill>
-                <a:schemeClr val="accent6"/>
-              </a:solidFill>
+            <a:br>
+              <a:rPr lang="en-GB" dirty="0"/>
+            </a:br>
+            <a:r>
+              <a:rPr lang="en-GB" sz="2000" dirty="0">
+                <a:latin typeface="Menlo" panose="020B0609030804020204" pitchFamily="49" charset="0"/>
+                <a:ea typeface="Menlo" panose="020B0609030804020204" pitchFamily="49" charset="0"/>
+                <a:cs typeface="Menlo" panose="020B0609030804020204" pitchFamily="49" charset="0"/>
+              </a:rPr>
+              <a:t>$ echo </a:t>
+            </a:r>
+            <a:r>
+              <a:rPr lang="en-GB" sz="2000" dirty="0" err="1">
+                <a:latin typeface="Menlo" panose="020B0609030804020204" pitchFamily="49" charset="0"/>
+                <a:ea typeface="Menlo" panose="020B0609030804020204" pitchFamily="49" charset="0"/>
+                <a:cs typeface="Menlo" panose="020B0609030804020204" pitchFamily="49" charset="0"/>
+              </a:rPr>
+              <a:t>shift+ctrl+V</a:t>
+            </a:r>
+            <a:r>
+              <a:rPr lang="en-GB" sz="2000" dirty="0">
+                <a:latin typeface="Menlo" panose="020B0609030804020204" pitchFamily="49" charset="0"/>
+                <a:ea typeface="Menlo" panose="020B0609030804020204" pitchFamily="49" charset="0"/>
+                <a:cs typeface="Menlo" panose="020B0609030804020204" pitchFamily="49" charset="0"/>
+              </a:rPr>
+              <a:t> &gt; ~/.</a:t>
+            </a:r>
+            <a:r>
+              <a:rPr lang="en-GB" sz="2000" dirty="0" err="1">
+                <a:latin typeface="Menlo" panose="020B0609030804020204" pitchFamily="49" charset="0"/>
+                <a:ea typeface="Menlo" panose="020B0609030804020204" pitchFamily="49" charset="0"/>
+                <a:cs typeface="Menlo" panose="020B0609030804020204" pitchFamily="49" charset="0"/>
+              </a:rPr>
+              <a:t>pat.txt</a:t>
+            </a:r>
+            <a:endParaRPr lang="en-GB" sz="2000" dirty="0">
               <a:latin typeface="Menlo" panose="020B0609030804020204" pitchFamily="49" charset="0"/>
               <a:ea typeface="Menlo" panose="020B0609030804020204" pitchFamily="49" charset="0"/>
               <a:cs typeface="Menlo" panose="020B0609030804020204" pitchFamily="49" charset="0"/>
             </a:endParaRPr>
           </a:p>
           <a:p>
-            <a:pPr marL="0" indent="0">
-              <a:buNone/>
-            </a:pPr>
-            <a:r>
-              <a:rPr lang="en-GB" sz="1600" dirty="0">
-                <a:latin typeface="Menlo" panose="020B0609030804020204" pitchFamily="49" charset="0"/>
-                <a:ea typeface="Menlo" panose="020B0609030804020204" pitchFamily="49" charset="0"/>
-                <a:cs typeface="Menlo" panose="020B0609030804020204" pitchFamily="49" charset="0"/>
-              </a:rPr>
-              <a:t>your </a:t>
-            </a:r>
-            <a:r>
-              <a:rPr lang="en-GB" sz="1600" dirty="0" err="1">
-                <a:latin typeface="Menlo" panose="020B0609030804020204" pitchFamily="49" charset="0"/>
-                <a:ea typeface="Menlo" panose="020B0609030804020204" pitchFamily="49" charset="0"/>
-                <a:cs typeface="Menlo" panose="020B0609030804020204" pitchFamily="49" charset="0"/>
-              </a:rPr>
-              <a:t>github</a:t>
-            </a:r>
-            <a:r>
-              <a:rPr lang="en-GB" sz="1600" dirty="0">
-                <a:latin typeface="Menlo" panose="020B0609030804020204" pitchFamily="49" charset="0"/>
-                <a:ea typeface="Menlo" panose="020B0609030804020204" pitchFamily="49" charset="0"/>
-                <a:cs typeface="Menlo" panose="020B0609030804020204" pitchFamily="49" charset="0"/>
-              </a:rPr>
-              <a:t> username (leave empty if you do not have one,</a:t>
-            </a:r>
-          </a:p>
-          <a:p>
-            <a:pPr marL="0" indent="0">
-              <a:buNone/>
-            </a:pPr>
-            <a:r>
-              <a:rPr lang="en-GB" sz="1600" dirty="0">
-                <a:latin typeface="Menlo" panose="020B0609030804020204" pitchFamily="49" charset="0"/>
-                <a:ea typeface="Menlo" panose="020B0609030804020204" pitchFamily="49" charset="0"/>
-                <a:cs typeface="Menlo" panose="020B0609030804020204" pitchFamily="49" charset="0"/>
-              </a:rPr>
-              <a:t>  or create one at https://</a:t>
-            </a:r>
-            <a:r>
-              <a:rPr lang="en-GB" sz="1600" dirty="0" err="1">
-                <a:latin typeface="Menlo" panose="020B0609030804020204" pitchFamily="49" charset="0"/>
-                <a:ea typeface="Menlo" panose="020B0609030804020204" pitchFamily="49" charset="0"/>
-                <a:cs typeface="Menlo" panose="020B0609030804020204" pitchFamily="49" charset="0"/>
-              </a:rPr>
-              <a:t>github.com</a:t>
-            </a:r>
-            <a:r>
-              <a:rPr lang="en-GB" sz="1600" dirty="0">
-                <a:latin typeface="Menlo" panose="020B0609030804020204" pitchFamily="49" charset="0"/>
-                <a:ea typeface="Menlo" panose="020B0609030804020204" pitchFamily="49" charset="0"/>
-                <a:cs typeface="Menlo" panose="020B0609030804020204" pitchFamily="49" charset="0"/>
-              </a:rPr>
-              <a:t>/join) [your-</a:t>
-            </a:r>
-            <a:r>
-              <a:rPr lang="en-GB" sz="1600" dirty="0" err="1">
-                <a:latin typeface="Menlo" panose="020B0609030804020204" pitchFamily="49" charset="0"/>
-                <a:ea typeface="Menlo" panose="020B0609030804020204" pitchFamily="49" charset="0"/>
-                <a:cs typeface="Menlo" panose="020B0609030804020204" pitchFamily="49" charset="0"/>
-              </a:rPr>
-              <a:t>github</a:t>
-            </a:r>
-            <a:r>
-              <a:rPr lang="en-GB" sz="1600" dirty="0">
-                <a:latin typeface="Menlo" panose="020B0609030804020204" pitchFamily="49" charset="0"/>
-                <a:ea typeface="Menlo" panose="020B0609030804020204" pitchFamily="49" charset="0"/>
-                <a:cs typeface="Menlo" panose="020B0609030804020204" pitchFamily="49" charset="0"/>
-              </a:rPr>
-              <a:t>-username]: </a:t>
-            </a:r>
-            <a:r>
-              <a:rPr lang="en-GB" sz="1600" dirty="0">
-                <a:solidFill>
-                  <a:schemeClr val="accent6"/>
-                </a:solidFill>
-                <a:latin typeface="Menlo" panose="020B0609030804020204" pitchFamily="49" charset="0"/>
-                <a:ea typeface="Menlo" panose="020B0609030804020204" pitchFamily="49" charset="0"/>
-                <a:cs typeface="Menlo" panose="020B0609030804020204" pitchFamily="49" charset="0"/>
-              </a:rPr>
-              <a:t>the-john-doe</a:t>
-            </a:r>
-          </a:p>
-          <a:p>
-            <a:pPr marL="0" indent="0">
-              <a:buNone/>
-            </a:pPr>
-            <a:endParaRPr lang="en-GB" sz="1600" dirty="0">
+            <a:endParaRPr lang="en-GB" sz="2000" dirty="0">
               <a:latin typeface="Menlo" panose="020B0609030804020204" pitchFamily="49" charset="0"/>
               <a:ea typeface="Menlo" panose="020B0609030804020204" pitchFamily="49" charset="0"/>
               <a:cs typeface="Menlo" panose="020B0609030804020204" pitchFamily="49" charset="0"/>
@@ -4190,113 +4084,34 @@
           </a:p>
           <a:p>
             <a:r>
-              <a:rPr lang="en-GB" dirty="0"/>
-              <a:t>After your GitHub username, you may accept the default values</a:t>
-            </a:r>
-          </a:p>
-          <a:p>
-            <a:r>
-              <a:rPr lang="en-GB" dirty="0"/>
-              <a:t>Finally, </a:t>
-            </a:r>
-            <a:r>
               <a:rPr lang="en-GB" dirty="0" err="1"/>
-              <a:t>micc</a:t>
-            </a:r>
-            <a:r>
-              <a:rPr lang="en-GB" dirty="0"/>
-              <a:t> will configure your git environment</a:t>
-            </a:r>
-          </a:p>
-          <a:p>
-            <a:r>
-              <a:rPr lang="en-GB" dirty="0"/>
-              <a:t>I you made a mistake, you can edit the </a:t>
-            </a:r>
-            <a:r>
-              <a:rPr lang="en-GB" dirty="0" err="1"/>
-              <a:t>micc</a:t>
-            </a:r>
-            <a:r>
-              <a:rPr lang="en-GB" dirty="0"/>
-              <a:t> configuration file </a:t>
-            </a:r>
-            <a:r>
-              <a:rPr lang="en-GB" sz="2100" dirty="0">
-                <a:latin typeface="Menlo" panose="020B0609030804020204" pitchFamily="49" charset="0"/>
-                <a:ea typeface="Menlo" panose="020B0609030804020204" pitchFamily="49" charset="0"/>
-                <a:cs typeface="Menlo" panose="020B0609030804020204" pitchFamily="49" charset="0"/>
-              </a:rPr>
-              <a:t>~/.et-</a:t>
-            </a:r>
-            <a:r>
-              <a:rPr lang="en-GB" sz="2100" dirty="0" err="1">
-                <a:latin typeface="Menlo" panose="020B0609030804020204" pitchFamily="49" charset="0"/>
-                <a:ea typeface="Menlo" panose="020B0609030804020204" pitchFamily="49" charset="0"/>
-                <a:cs typeface="Menlo" panose="020B0609030804020204" pitchFamily="49" charset="0"/>
-              </a:rPr>
-              <a:t>micc</a:t>
-            </a:r>
-            <a:r>
-              <a:rPr lang="en-GB" sz="2100" dirty="0">
-                <a:latin typeface="Menlo" panose="020B0609030804020204" pitchFamily="49" charset="0"/>
-                <a:ea typeface="Menlo" panose="020B0609030804020204" pitchFamily="49" charset="0"/>
-                <a:cs typeface="Menlo" panose="020B0609030804020204" pitchFamily="49" charset="0"/>
-              </a:rPr>
-              <a:t>/</a:t>
-            </a:r>
-            <a:r>
-              <a:rPr lang="en-GB" sz="2100" dirty="0" err="1">
-                <a:latin typeface="Menlo" panose="020B0609030804020204" pitchFamily="49" charset="0"/>
-                <a:ea typeface="Menlo" panose="020B0609030804020204" pitchFamily="49" charset="0"/>
-                <a:cs typeface="Menlo" panose="020B0609030804020204" pitchFamily="49" charset="0"/>
-              </a:rPr>
-              <a:t>micc.json</a:t>
-            </a:r>
-            <a:r>
-              <a:rPr lang="en-GB" dirty="0">
-                <a:latin typeface="+mj-lt"/>
-                <a:ea typeface="Menlo" panose="020B0609030804020204" pitchFamily="49" charset="0"/>
-                <a:cs typeface="Menlo" panose="020B0609030804020204" pitchFamily="49" charset="0"/>
-              </a:rPr>
-              <a:t> </a:t>
-            </a:r>
-            <a:r>
-              <a:rPr lang="en-GB" dirty="0">
-                <a:ea typeface="Menlo" panose="020B0609030804020204" pitchFamily="49" charset="0"/>
-                <a:cs typeface="Menlo" panose="020B0609030804020204" pitchFamily="49" charset="0"/>
-              </a:rPr>
-              <a:t>or start all over again as </a:t>
-            </a:r>
-            <a:r>
-              <a:rPr lang="en-GB" sz="2100" dirty="0" err="1">
-                <a:latin typeface="Menlo" panose="020B0609030804020204" pitchFamily="49" charset="0"/>
-                <a:ea typeface="Menlo" panose="020B0609030804020204" pitchFamily="49" charset="0"/>
-                <a:cs typeface="Menlo" panose="020B0609030804020204" pitchFamily="49" charset="0"/>
-              </a:rPr>
-              <a:t>micc</a:t>
-            </a:r>
-            <a:r>
-              <a:rPr lang="en-GB" sz="2100" dirty="0">
-                <a:latin typeface="Menlo" panose="020B0609030804020204" pitchFamily="49" charset="0"/>
-                <a:ea typeface="Menlo" panose="020B0609030804020204" pitchFamily="49" charset="0"/>
-                <a:cs typeface="Menlo" panose="020B0609030804020204" pitchFamily="49" charset="0"/>
-              </a:rPr>
-              <a:t> setup --force</a:t>
-            </a:r>
-          </a:p>
-          <a:p>
-            <a:r>
-              <a:rPr lang="en-GB" dirty="0"/>
-              <a:t>The first time you push a local repo to GitHub, git will ask the password for your GitHub account</a:t>
-            </a:r>
+              <a:t>Micc</a:t>
+            </a:r>
+            <a:r>
+              <a:rPr lang="en-GB" dirty="0"/>
+              <a:t> uses this file to automatically create a GitHub repo for your project</a:t>
+            </a:r>
+          </a:p>
+          <a:p>
+            <a:r>
+              <a:rPr lang="en-GB" dirty="0"/>
+              <a:t>Skip point 10.</a:t>
+            </a:r>
+            <a:br>
+              <a:rPr lang="en-GB" dirty="0"/>
+            </a:br>
+            <a:endParaRPr lang="en-GB" sz="2200" dirty="0">
+              <a:latin typeface="Menlo" panose="020B0609030804020204" pitchFamily="49" charset="0"/>
+              <a:ea typeface="Menlo" panose="020B0609030804020204" pitchFamily="49" charset="0"/>
+              <a:cs typeface="Menlo" panose="020B0609030804020204" pitchFamily="49" charset="0"/>
+            </a:endParaRPr>
           </a:p>
         </p:txBody>
       </p:sp>
     </p:spTree>
     <p:extLst>
       <p:ext uri="{BB962C8B-B14F-4D97-AF65-F5344CB8AC3E}">
-        <p14:creationId xmlns:p14="http://schemas.microsoft.com/office/powerpoint/2010/main" val="2347813211"/>
+        <p14:creationId xmlns:p14="http://schemas.microsoft.com/office/powerpoint/2010/main" val="456387654"/>
       </p:ext>
     </p:extLst>
   </p:cSld>
@@ -4328,6 +4143,821 @@
           <p:cNvPr id="2" name="Title 1">
             <a:extLst>
               <a:ext uri="{FF2B5EF4-FFF2-40B4-BE49-F238E27FC236}">
+                <a16:creationId xmlns:a16="http://schemas.microsoft.com/office/drawing/2014/main" id="{4A73D487-1E40-B146-BCEC-685207D5FC1E}"/>
+              </a:ext>
+            </a:extLst>
+          </p:cNvPr>
+          <p:cNvSpPr>
+            <a:spLocks noGrp="1"/>
+          </p:cNvSpPr>
+          <p:nvPr>
+            <p:ph type="title"/>
+          </p:nvPr>
+        </p:nvSpPr>
+        <p:spPr/>
+        <p:txBody>
+          <a:bodyPr/>
+          <a:lstStyle/>
+          <a:p>
+            <a:r>
+              <a:rPr lang="en-GB" dirty="0"/>
+              <a:t>Setup </a:t>
+            </a:r>
+            <a:r>
+              <a:rPr lang="en-GB" dirty="0" err="1"/>
+              <a:t>micc</a:t>
+            </a:r>
+            <a:r>
+              <a:rPr lang="en-GB" dirty="0"/>
+              <a:t> (1)</a:t>
+            </a:r>
+          </a:p>
+        </p:txBody>
+      </p:sp>
+      <p:sp>
+        <p:nvSpPr>
+          <p:cNvPr id="3" name="Content Placeholder 2">
+            <a:extLst>
+              <a:ext uri="{FF2B5EF4-FFF2-40B4-BE49-F238E27FC236}">
+                <a16:creationId xmlns:a16="http://schemas.microsoft.com/office/drawing/2014/main" id="{DA4E82C4-AB26-034A-B202-F75EA2E29360}"/>
+              </a:ext>
+            </a:extLst>
+          </p:cNvPr>
+          <p:cNvSpPr>
+            <a:spLocks noGrp="1"/>
+          </p:cNvSpPr>
+          <p:nvPr>
+            <p:ph idx="1"/>
+          </p:nvPr>
+        </p:nvSpPr>
+        <p:spPr/>
+        <p:txBody>
+          <a:bodyPr>
+            <a:normAutofit/>
+          </a:bodyPr>
+          <a:lstStyle/>
+          <a:p>
+            <a:pPr marL="314325" indent="-314325"/>
+            <a:r>
+              <a:rPr lang="en-GB" dirty="0"/>
+              <a:t>Before </a:t>
+            </a:r>
+            <a:r>
+              <a:rPr lang="en-GB" dirty="0" err="1"/>
+              <a:t>micc</a:t>
+            </a:r>
+            <a:r>
+              <a:rPr lang="en-GB" dirty="0"/>
+              <a:t> can be used it must be set up by typing this command in a terminal. Provide your name, e-mail address and GitHub username:</a:t>
+            </a:r>
+            <a:br>
+              <a:rPr lang="en-GB" dirty="0"/>
+            </a:br>
+            <a:endParaRPr lang="en-GB" sz="1600" dirty="0"/>
+          </a:p>
+          <a:p>
+            <a:pPr marL="0" indent="0">
+              <a:buNone/>
+            </a:pPr>
+            <a:r>
+              <a:rPr lang="en-GB" sz="1600" dirty="0">
+                <a:latin typeface="Menlo" panose="020B0609030804020204" pitchFamily="49" charset="0"/>
+                <a:ea typeface="Menlo" panose="020B0609030804020204" pitchFamily="49" charset="0"/>
+                <a:cs typeface="Menlo" panose="020B0609030804020204" pitchFamily="49" charset="0"/>
+              </a:rPr>
+              <a:t>$ </a:t>
+            </a:r>
+            <a:r>
+              <a:rPr lang="en-GB" sz="1600" dirty="0" err="1">
+                <a:latin typeface="Menlo" panose="020B0609030804020204" pitchFamily="49" charset="0"/>
+                <a:ea typeface="Menlo" panose="020B0609030804020204" pitchFamily="49" charset="0"/>
+                <a:cs typeface="Menlo" panose="020B0609030804020204" pitchFamily="49" charset="0"/>
+              </a:rPr>
+              <a:t>micc</a:t>
+            </a:r>
+            <a:r>
+              <a:rPr lang="en-GB" sz="1600" dirty="0">
+                <a:latin typeface="Menlo" panose="020B0609030804020204" pitchFamily="49" charset="0"/>
+                <a:ea typeface="Menlo" panose="020B0609030804020204" pitchFamily="49" charset="0"/>
+                <a:cs typeface="Menlo" panose="020B0609030804020204" pitchFamily="49" charset="0"/>
+              </a:rPr>
+              <a:t> setup </a:t>
+            </a:r>
+          </a:p>
+          <a:p>
+            <a:pPr marL="0" indent="0">
+              <a:buNone/>
+            </a:pPr>
+            <a:r>
+              <a:rPr lang="en-GB" sz="1600" dirty="0">
+                <a:latin typeface="Menlo" panose="020B0609030804020204" pitchFamily="49" charset="0"/>
+                <a:ea typeface="Menlo" panose="020B0609030804020204" pitchFamily="49" charset="0"/>
+                <a:cs typeface="Menlo" panose="020B0609030804020204" pitchFamily="49" charset="0"/>
+              </a:rPr>
+              <a:t>your full name [first-name last-name]: </a:t>
+            </a:r>
+            <a:r>
+              <a:rPr lang="en-GB" sz="1600" dirty="0">
+                <a:solidFill>
+                  <a:schemeClr val="accent6"/>
+                </a:solidFill>
+                <a:latin typeface="Menlo" panose="020B0609030804020204" pitchFamily="49" charset="0"/>
+                <a:ea typeface="Menlo" panose="020B0609030804020204" pitchFamily="49" charset="0"/>
+                <a:cs typeface="Menlo" panose="020B0609030804020204" pitchFamily="49" charset="0"/>
+              </a:rPr>
+              <a:t>John Doe</a:t>
+            </a:r>
+          </a:p>
+          <a:p>
+            <a:pPr marL="0" indent="0">
+              <a:buNone/>
+            </a:pPr>
+            <a:r>
+              <a:rPr lang="en-GB" sz="1600" dirty="0">
+                <a:latin typeface="Menlo" panose="020B0609030804020204" pitchFamily="49" charset="0"/>
+                <a:ea typeface="Menlo" panose="020B0609030804020204" pitchFamily="49" charset="0"/>
+                <a:cs typeface="Menlo" panose="020B0609030804020204" pitchFamily="49" charset="0"/>
+              </a:rPr>
+              <a:t>your e-mail address [</a:t>
+            </a:r>
+            <a:r>
+              <a:rPr lang="en-GB" sz="1600" dirty="0" err="1">
+                <a:latin typeface="Menlo" panose="020B0609030804020204" pitchFamily="49" charset="0"/>
+                <a:ea typeface="Menlo" panose="020B0609030804020204" pitchFamily="49" charset="0"/>
+                <a:cs typeface="Menlo" panose="020B0609030804020204" pitchFamily="49" charset="0"/>
+              </a:rPr>
+              <a:t>your.email@whatev.er</a:t>
+            </a:r>
+            <a:r>
+              <a:rPr lang="en-GB" sz="1600" dirty="0">
+                <a:latin typeface="Menlo" panose="020B0609030804020204" pitchFamily="49" charset="0"/>
+                <a:ea typeface="Menlo" panose="020B0609030804020204" pitchFamily="49" charset="0"/>
+                <a:cs typeface="Menlo" panose="020B0609030804020204" pitchFamily="49" charset="0"/>
+              </a:rPr>
+              <a:t>]: </a:t>
+            </a:r>
+            <a:r>
+              <a:rPr lang="en-GB" sz="1600" dirty="0" err="1">
+                <a:solidFill>
+                  <a:schemeClr val="accent6"/>
+                </a:solidFill>
+                <a:latin typeface="Menlo" panose="020B0609030804020204" pitchFamily="49" charset="0"/>
+                <a:ea typeface="Menlo" panose="020B0609030804020204" pitchFamily="49" charset="0"/>
+                <a:cs typeface="Menlo" panose="020B0609030804020204" pitchFamily="49" charset="0"/>
+              </a:rPr>
+              <a:t>john.doe@example.com</a:t>
+            </a:r>
+            <a:endParaRPr lang="en-GB" sz="1600" dirty="0">
+              <a:solidFill>
+                <a:schemeClr val="accent6"/>
+              </a:solidFill>
+              <a:latin typeface="Menlo" panose="020B0609030804020204" pitchFamily="49" charset="0"/>
+              <a:ea typeface="Menlo" panose="020B0609030804020204" pitchFamily="49" charset="0"/>
+              <a:cs typeface="Menlo" panose="020B0609030804020204" pitchFamily="49" charset="0"/>
+            </a:endParaRPr>
+          </a:p>
+          <a:p>
+            <a:pPr marL="0" indent="0">
+              <a:buNone/>
+            </a:pPr>
+            <a:r>
+              <a:rPr lang="en-GB" sz="1600" dirty="0">
+                <a:latin typeface="Menlo" panose="020B0609030804020204" pitchFamily="49" charset="0"/>
+                <a:ea typeface="Menlo" panose="020B0609030804020204" pitchFamily="49" charset="0"/>
+                <a:cs typeface="Menlo" panose="020B0609030804020204" pitchFamily="49" charset="0"/>
+              </a:rPr>
+              <a:t>your </a:t>
+            </a:r>
+            <a:r>
+              <a:rPr lang="en-GB" sz="1600" dirty="0" err="1">
+                <a:latin typeface="Menlo" panose="020B0609030804020204" pitchFamily="49" charset="0"/>
+                <a:ea typeface="Menlo" panose="020B0609030804020204" pitchFamily="49" charset="0"/>
+                <a:cs typeface="Menlo" panose="020B0609030804020204" pitchFamily="49" charset="0"/>
+              </a:rPr>
+              <a:t>github</a:t>
+            </a:r>
+            <a:r>
+              <a:rPr lang="en-GB" sz="1600" dirty="0">
+                <a:latin typeface="Menlo" panose="020B0609030804020204" pitchFamily="49" charset="0"/>
+                <a:ea typeface="Menlo" panose="020B0609030804020204" pitchFamily="49" charset="0"/>
+                <a:cs typeface="Menlo" panose="020B0609030804020204" pitchFamily="49" charset="0"/>
+              </a:rPr>
+              <a:t> username (leave empty if you do not have one,</a:t>
+            </a:r>
+          </a:p>
+          <a:p>
+            <a:pPr marL="0" indent="0">
+              <a:buNone/>
+            </a:pPr>
+            <a:r>
+              <a:rPr lang="en-GB" sz="1600" dirty="0">
+                <a:latin typeface="Menlo" panose="020B0609030804020204" pitchFamily="49" charset="0"/>
+                <a:ea typeface="Menlo" panose="020B0609030804020204" pitchFamily="49" charset="0"/>
+                <a:cs typeface="Menlo" panose="020B0609030804020204" pitchFamily="49" charset="0"/>
+              </a:rPr>
+              <a:t>  or create one at https://</a:t>
+            </a:r>
+            <a:r>
+              <a:rPr lang="en-GB" sz="1600" dirty="0" err="1">
+                <a:latin typeface="Menlo" panose="020B0609030804020204" pitchFamily="49" charset="0"/>
+                <a:ea typeface="Menlo" panose="020B0609030804020204" pitchFamily="49" charset="0"/>
+                <a:cs typeface="Menlo" panose="020B0609030804020204" pitchFamily="49" charset="0"/>
+              </a:rPr>
+              <a:t>github.com</a:t>
+            </a:r>
+            <a:r>
+              <a:rPr lang="en-GB" sz="1600" dirty="0">
+                <a:latin typeface="Menlo" panose="020B0609030804020204" pitchFamily="49" charset="0"/>
+                <a:ea typeface="Menlo" panose="020B0609030804020204" pitchFamily="49" charset="0"/>
+                <a:cs typeface="Menlo" panose="020B0609030804020204" pitchFamily="49" charset="0"/>
+              </a:rPr>
+              <a:t>/join) [your-</a:t>
+            </a:r>
+            <a:r>
+              <a:rPr lang="en-GB" sz="1600" dirty="0" err="1">
+                <a:latin typeface="Menlo" panose="020B0609030804020204" pitchFamily="49" charset="0"/>
+                <a:ea typeface="Menlo" panose="020B0609030804020204" pitchFamily="49" charset="0"/>
+                <a:cs typeface="Menlo" panose="020B0609030804020204" pitchFamily="49" charset="0"/>
+              </a:rPr>
+              <a:t>github</a:t>
+            </a:r>
+            <a:r>
+              <a:rPr lang="en-GB" sz="1600" dirty="0">
+                <a:latin typeface="Menlo" panose="020B0609030804020204" pitchFamily="49" charset="0"/>
+                <a:ea typeface="Menlo" panose="020B0609030804020204" pitchFamily="49" charset="0"/>
+                <a:cs typeface="Menlo" panose="020B0609030804020204" pitchFamily="49" charset="0"/>
+              </a:rPr>
+              <a:t>-username]: </a:t>
+            </a:r>
+            <a:r>
+              <a:rPr lang="en-GB" sz="1600" dirty="0">
+                <a:solidFill>
+                  <a:schemeClr val="accent6"/>
+                </a:solidFill>
+                <a:latin typeface="Menlo" panose="020B0609030804020204" pitchFamily="49" charset="0"/>
+                <a:ea typeface="Menlo" panose="020B0609030804020204" pitchFamily="49" charset="0"/>
+                <a:cs typeface="Menlo" panose="020B0609030804020204" pitchFamily="49" charset="0"/>
+              </a:rPr>
+              <a:t>the-john-doe</a:t>
+            </a:r>
+            <a:endParaRPr lang="en-GB" dirty="0"/>
+          </a:p>
+          <a:p>
+            <a:r>
+              <a:rPr lang="en-GB" dirty="0"/>
+              <a:t>After you provided your GitHub username, you may accept the default values of all further questions</a:t>
+            </a:r>
+          </a:p>
+        </p:txBody>
+      </p:sp>
+    </p:spTree>
+    <p:extLst>
+      <p:ext uri="{BB962C8B-B14F-4D97-AF65-F5344CB8AC3E}">
+        <p14:creationId xmlns:p14="http://schemas.microsoft.com/office/powerpoint/2010/main" val="2347813211"/>
+      </p:ext>
+    </p:extLst>
+  </p:cSld>
+  <p:clrMapOvr>
+    <a:masterClrMapping/>
+  </p:clrMapOvr>
+</p:sld>
+</file>
+
+<file path=ppt/slides/slide7.xml><?xml version="1.0" encoding="utf-8"?>
+<p:sld xmlns:a="http://schemas.openxmlformats.org/drawingml/2006/main" xmlns:r="http://schemas.openxmlformats.org/officeDocument/2006/relationships" xmlns:p="http://schemas.openxmlformats.org/presentationml/2006/main">
+  <p:cSld>
+    <p:spTree>
+      <p:nvGrpSpPr>
+        <p:cNvPr id="1" name=""/>
+        <p:cNvGrpSpPr/>
+        <p:nvPr/>
+      </p:nvGrpSpPr>
+      <p:grpSpPr>
+        <a:xfrm>
+          <a:off x="0" y="0"/>
+          <a:ext cx="0" cy="0"/>
+          <a:chOff x="0" y="0"/>
+          <a:chExt cx="0" cy="0"/>
+        </a:xfrm>
+      </p:grpSpPr>
+      <p:sp>
+        <p:nvSpPr>
+          <p:cNvPr id="2" name="Title 1">
+            <a:extLst>
+              <a:ext uri="{FF2B5EF4-FFF2-40B4-BE49-F238E27FC236}">
+                <a16:creationId xmlns:a16="http://schemas.microsoft.com/office/drawing/2014/main" id="{4A73D487-1E40-B146-BCEC-685207D5FC1E}"/>
+              </a:ext>
+            </a:extLst>
+          </p:cNvPr>
+          <p:cNvSpPr>
+            <a:spLocks noGrp="1"/>
+          </p:cNvSpPr>
+          <p:nvPr>
+            <p:ph type="title"/>
+          </p:nvPr>
+        </p:nvSpPr>
+        <p:spPr/>
+        <p:txBody>
+          <a:bodyPr/>
+          <a:lstStyle/>
+          <a:p>
+            <a:r>
+              <a:rPr lang="en-GB" dirty="0"/>
+              <a:t>Setup </a:t>
+            </a:r>
+            <a:r>
+              <a:rPr lang="en-GB" dirty="0" err="1"/>
+              <a:t>micc</a:t>
+            </a:r>
+            <a:r>
+              <a:rPr lang="en-GB" dirty="0"/>
+              <a:t> (2)</a:t>
+            </a:r>
+          </a:p>
+        </p:txBody>
+      </p:sp>
+      <p:sp>
+        <p:nvSpPr>
+          <p:cNvPr id="3" name="Content Placeholder 2">
+            <a:extLst>
+              <a:ext uri="{FF2B5EF4-FFF2-40B4-BE49-F238E27FC236}">
+                <a16:creationId xmlns:a16="http://schemas.microsoft.com/office/drawing/2014/main" id="{DA4E82C4-AB26-034A-B202-F75EA2E29360}"/>
+              </a:ext>
+            </a:extLst>
+          </p:cNvPr>
+          <p:cNvSpPr>
+            <a:spLocks noGrp="1"/>
+          </p:cNvSpPr>
+          <p:nvPr>
+            <p:ph idx="1"/>
+          </p:nvPr>
+        </p:nvSpPr>
+        <p:spPr/>
+        <p:txBody>
+          <a:bodyPr>
+            <a:normAutofit fontScale="85000" lnSpcReduction="20000"/>
+          </a:bodyPr>
+          <a:lstStyle/>
+          <a:p>
+            <a:r>
+              <a:rPr lang="en-GB" dirty="0"/>
+              <a:t>Finally, </a:t>
+            </a:r>
+            <a:r>
+              <a:rPr lang="en-GB" dirty="0" err="1"/>
+              <a:t>micc</a:t>
+            </a:r>
+            <a:r>
+              <a:rPr lang="en-GB" dirty="0"/>
+              <a:t> will configure your git environme</a:t>
+            </a:r>
+            <a:r>
+              <a:rPr lang="en-GB" dirty="0">
+                <a:latin typeface="Menlo" panose="020B0609030804020204" pitchFamily="49" charset="0"/>
+                <a:ea typeface="Menlo" panose="020B0609030804020204" pitchFamily="49" charset="0"/>
+                <a:cs typeface="Menlo" panose="020B0609030804020204" pitchFamily="49" charset="0"/>
+              </a:rPr>
+              <a:t>nt</a:t>
+            </a:r>
+          </a:p>
+          <a:p>
+            <a:pPr marL="0" indent="0">
+              <a:buNone/>
+            </a:pPr>
+            <a:r>
+              <a:rPr lang="en-GB" dirty="0">
+                <a:latin typeface="Menlo" panose="020B0609030804020204" pitchFamily="49" charset="0"/>
+                <a:ea typeface="Menlo" panose="020B0609030804020204" pitchFamily="49" charset="0"/>
+                <a:cs typeface="Menlo" panose="020B0609030804020204" pitchFamily="49" charset="0"/>
+              </a:rPr>
+              <a:t>…</a:t>
+            </a:r>
+          </a:p>
+          <a:p>
+            <a:pPr marL="0" indent="0">
+              <a:buNone/>
+            </a:pPr>
+            <a:r>
+              <a:rPr lang="en-GB" dirty="0">
+                <a:latin typeface="Menlo" panose="020B0609030804020204" pitchFamily="49" charset="0"/>
+                <a:ea typeface="Menlo" panose="020B0609030804020204" pitchFamily="49" charset="0"/>
+                <a:cs typeface="Menlo" panose="020B0609030804020204" pitchFamily="49" charset="0"/>
+              </a:rPr>
+              <a:t>Configuring git:</a:t>
+            </a:r>
+          </a:p>
+          <a:p>
+            <a:pPr marL="0" indent="0">
+              <a:buNone/>
+            </a:pPr>
+            <a:r>
+              <a:rPr lang="en-GB" dirty="0">
+                <a:latin typeface="Menlo" panose="020B0609030804020204" pitchFamily="49" charset="0"/>
+                <a:ea typeface="Menlo" panose="020B0609030804020204" pitchFamily="49" charset="0"/>
+                <a:cs typeface="Menlo" panose="020B0609030804020204" pitchFamily="49" charset="0"/>
+              </a:rPr>
+              <a:t>[ &gt; git config --global </a:t>
+            </a:r>
+            <a:r>
+              <a:rPr lang="en-GB" dirty="0" err="1">
+                <a:latin typeface="Menlo" panose="020B0609030804020204" pitchFamily="49" charset="0"/>
+                <a:ea typeface="Menlo" panose="020B0609030804020204" pitchFamily="49" charset="0"/>
+                <a:cs typeface="Menlo" panose="020B0609030804020204" pitchFamily="49" charset="0"/>
+              </a:rPr>
+              <a:t>user.name</a:t>
+            </a:r>
+            <a:r>
+              <a:rPr lang="en-GB" dirty="0">
+                <a:latin typeface="Menlo" panose="020B0609030804020204" pitchFamily="49" charset="0"/>
+                <a:ea typeface="Menlo" panose="020B0609030804020204" pitchFamily="49" charset="0"/>
+                <a:cs typeface="Menlo" panose="020B0609030804020204" pitchFamily="49" charset="0"/>
+              </a:rPr>
+              <a:t> John Doe</a:t>
+            </a:r>
+          </a:p>
+          <a:p>
+            <a:pPr marL="0" indent="0">
+              <a:buNone/>
+            </a:pPr>
+            <a:r>
+              <a:rPr lang="en-GB" dirty="0">
+                <a:latin typeface="Menlo" panose="020B0609030804020204" pitchFamily="49" charset="0"/>
+                <a:ea typeface="Menlo" panose="020B0609030804020204" pitchFamily="49" charset="0"/>
+                <a:cs typeface="Menlo" panose="020B0609030804020204" pitchFamily="49" charset="0"/>
+              </a:rPr>
+              <a:t>] done.</a:t>
+            </a:r>
+          </a:p>
+          <a:p>
+            <a:pPr marL="0" indent="0">
+              <a:buNone/>
+            </a:pPr>
+            <a:r>
+              <a:rPr lang="en-GB" dirty="0">
+                <a:latin typeface="Menlo" panose="020B0609030804020204" pitchFamily="49" charset="0"/>
+                <a:ea typeface="Menlo" panose="020B0609030804020204" pitchFamily="49" charset="0"/>
+                <a:cs typeface="Menlo" panose="020B0609030804020204" pitchFamily="49" charset="0"/>
+              </a:rPr>
+              <a:t>[ &gt; git config --global </a:t>
+            </a:r>
+            <a:r>
+              <a:rPr lang="en-GB" dirty="0" err="1">
+                <a:latin typeface="Menlo" panose="020B0609030804020204" pitchFamily="49" charset="0"/>
+                <a:ea typeface="Menlo" panose="020B0609030804020204" pitchFamily="49" charset="0"/>
+                <a:cs typeface="Menlo" panose="020B0609030804020204" pitchFamily="49" charset="0"/>
+              </a:rPr>
+              <a:t>user.email</a:t>
+            </a:r>
+            <a:r>
+              <a:rPr lang="en-GB" dirty="0">
+                <a:latin typeface="Menlo" panose="020B0609030804020204" pitchFamily="49" charset="0"/>
+                <a:ea typeface="Menlo" panose="020B0609030804020204" pitchFamily="49" charset="0"/>
+                <a:cs typeface="Menlo" panose="020B0609030804020204" pitchFamily="49" charset="0"/>
+              </a:rPr>
+              <a:t> </a:t>
+            </a:r>
+            <a:r>
+              <a:rPr lang="en-GB" dirty="0">
+                <a:latin typeface="Menlo" panose="020B0609030804020204" pitchFamily="49" charset="0"/>
+                <a:ea typeface="Menlo" panose="020B0609030804020204" pitchFamily="49" charset="0"/>
+                <a:cs typeface="Menlo" panose="020B0609030804020204" pitchFamily="49" charset="0"/>
+                <a:hlinkClick r:id="rId2"/>
+              </a:rPr>
+              <a:t>john.doe@example.com</a:t>
+            </a:r>
+            <a:r>
+              <a:rPr lang="en-GB" dirty="0">
+                <a:latin typeface="Menlo" panose="020B0609030804020204" pitchFamily="49" charset="0"/>
+                <a:ea typeface="Menlo" panose="020B0609030804020204" pitchFamily="49" charset="0"/>
+                <a:cs typeface="Menlo" panose="020B0609030804020204" pitchFamily="49" charset="0"/>
+              </a:rPr>
+              <a:t> </a:t>
+            </a:r>
+          </a:p>
+          <a:p>
+            <a:pPr marL="0" indent="0">
+              <a:buNone/>
+            </a:pPr>
+            <a:r>
+              <a:rPr lang="en-GB" dirty="0">
+                <a:latin typeface="Menlo" panose="020B0609030804020204" pitchFamily="49" charset="0"/>
+                <a:ea typeface="Menlo" panose="020B0609030804020204" pitchFamily="49" charset="0"/>
+                <a:cs typeface="Menlo" panose="020B0609030804020204" pitchFamily="49" charset="0"/>
+              </a:rPr>
+              <a:t>] done.</a:t>
+            </a:r>
+          </a:p>
+          <a:p>
+            <a:pPr marL="0" indent="0">
+              <a:buNone/>
+            </a:pPr>
+            <a:r>
+              <a:rPr lang="en-GB" dirty="0">
+                <a:latin typeface="Menlo" panose="020B0609030804020204" pitchFamily="49" charset="0"/>
+                <a:ea typeface="Menlo" panose="020B0609030804020204" pitchFamily="49" charset="0"/>
+                <a:cs typeface="Menlo" panose="020B0609030804020204" pitchFamily="49" charset="0"/>
+              </a:rPr>
+              <a:t>[ &gt; git config --global </a:t>
+            </a:r>
+            <a:r>
+              <a:rPr lang="en-GB" dirty="0" err="1">
+                <a:latin typeface="Menlo" panose="020B0609030804020204" pitchFamily="49" charset="0"/>
+                <a:ea typeface="Menlo" panose="020B0609030804020204" pitchFamily="49" charset="0"/>
+                <a:cs typeface="Menlo" panose="020B0609030804020204" pitchFamily="49" charset="0"/>
+              </a:rPr>
+              <a:t>credential.helper</a:t>
+            </a:r>
+            <a:r>
+              <a:rPr lang="en-GB" dirty="0">
+                <a:latin typeface="Menlo" panose="020B0609030804020204" pitchFamily="49" charset="0"/>
+                <a:ea typeface="Menlo" panose="020B0609030804020204" pitchFamily="49" charset="0"/>
+                <a:cs typeface="Menlo" panose="020B0609030804020204" pitchFamily="49" charset="0"/>
+              </a:rPr>
+              <a:t> cache</a:t>
+            </a:r>
+          </a:p>
+          <a:p>
+            <a:pPr marL="0" indent="0">
+              <a:buNone/>
+            </a:pPr>
+            <a:r>
+              <a:rPr lang="en-GB" dirty="0">
+                <a:latin typeface="Menlo" panose="020B0609030804020204" pitchFamily="49" charset="0"/>
+                <a:ea typeface="Menlo" panose="020B0609030804020204" pitchFamily="49" charset="0"/>
+                <a:cs typeface="Menlo" panose="020B0609030804020204" pitchFamily="49" charset="0"/>
+              </a:rPr>
+              <a:t>] done.</a:t>
+            </a:r>
+          </a:p>
+          <a:p>
+            <a:pPr marL="0" indent="0">
+              <a:buNone/>
+            </a:pPr>
+            <a:r>
+              <a:rPr lang="en-GB" dirty="0">
+                <a:latin typeface="Menlo" panose="020B0609030804020204" pitchFamily="49" charset="0"/>
+                <a:ea typeface="Menlo" panose="020B0609030804020204" pitchFamily="49" charset="0"/>
+                <a:cs typeface="Menlo" panose="020B0609030804020204" pitchFamily="49" charset="0"/>
+              </a:rPr>
+              <a:t>…</a:t>
+            </a:r>
+            <a:endParaRPr lang="en-GB" dirty="0"/>
+          </a:p>
+          <a:p>
+            <a:r>
+              <a:rPr lang="en-GB" dirty="0" err="1"/>
+              <a:t>Micc</a:t>
+            </a:r>
+            <a:r>
+              <a:rPr lang="en-GB" dirty="0"/>
+              <a:t> is now configured and ready to be used</a:t>
+            </a:r>
+          </a:p>
+        </p:txBody>
+      </p:sp>
+    </p:spTree>
+    <p:extLst>
+      <p:ext uri="{BB962C8B-B14F-4D97-AF65-F5344CB8AC3E}">
+        <p14:creationId xmlns:p14="http://schemas.microsoft.com/office/powerpoint/2010/main" val="1964038228"/>
+      </p:ext>
+    </p:extLst>
+  </p:cSld>
+  <p:clrMapOvr>
+    <a:masterClrMapping/>
+  </p:clrMapOvr>
+</p:sld>
+</file>
+
+<file path=ppt/slides/slide8.xml><?xml version="1.0" encoding="utf-8"?>
+<p:sld xmlns:a="http://schemas.openxmlformats.org/drawingml/2006/main" xmlns:r="http://schemas.openxmlformats.org/officeDocument/2006/relationships" xmlns:p="http://schemas.openxmlformats.org/presentationml/2006/main">
+  <p:cSld>
+    <p:spTree>
+      <p:nvGrpSpPr>
+        <p:cNvPr id="1" name=""/>
+        <p:cNvGrpSpPr/>
+        <p:nvPr/>
+      </p:nvGrpSpPr>
+      <p:grpSpPr>
+        <a:xfrm>
+          <a:off x="0" y="0"/>
+          <a:ext cx="0" cy="0"/>
+          <a:chOff x="0" y="0"/>
+          <a:chExt cx="0" cy="0"/>
+        </a:xfrm>
+      </p:grpSpPr>
+      <p:sp>
+        <p:nvSpPr>
+          <p:cNvPr id="2" name="Title 1">
+            <a:extLst>
+              <a:ext uri="{FF2B5EF4-FFF2-40B4-BE49-F238E27FC236}">
+                <a16:creationId xmlns:a16="http://schemas.microsoft.com/office/drawing/2014/main" id="{4A73D487-1E40-B146-BCEC-685207D5FC1E}"/>
+              </a:ext>
+            </a:extLst>
+          </p:cNvPr>
+          <p:cNvSpPr>
+            <a:spLocks noGrp="1"/>
+          </p:cNvSpPr>
+          <p:nvPr>
+            <p:ph type="title"/>
+          </p:nvPr>
+        </p:nvSpPr>
+        <p:spPr/>
+        <p:txBody>
+          <a:bodyPr/>
+          <a:lstStyle/>
+          <a:p>
+            <a:r>
+              <a:rPr lang="en-GB" dirty="0"/>
+              <a:t>Setup </a:t>
+            </a:r>
+            <a:r>
+              <a:rPr lang="en-GB" dirty="0" err="1"/>
+              <a:t>micc</a:t>
+            </a:r>
+            <a:r>
+              <a:rPr lang="en-GB" dirty="0"/>
+              <a:t> (3)</a:t>
+            </a:r>
+          </a:p>
+        </p:txBody>
+      </p:sp>
+      <p:sp>
+        <p:nvSpPr>
+          <p:cNvPr id="3" name="Content Placeholder 2">
+            <a:extLst>
+              <a:ext uri="{FF2B5EF4-FFF2-40B4-BE49-F238E27FC236}">
+                <a16:creationId xmlns:a16="http://schemas.microsoft.com/office/drawing/2014/main" id="{DA4E82C4-AB26-034A-B202-F75EA2E29360}"/>
+              </a:ext>
+            </a:extLst>
+          </p:cNvPr>
+          <p:cNvSpPr>
+            <a:spLocks noGrp="1"/>
+          </p:cNvSpPr>
+          <p:nvPr>
+            <p:ph idx="1"/>
+          </p:nvPr>
+        </p:nvSpPr>
+        <p:spPr/>
+        <p:txBody>
+          <a:bodyPr>
+            <a:normAutofit lnSpcReduction="10000"/>
+          </a:bodyPr>
+          <a:lstStyle/>
+          <a:p>
+            <a:r>
+              <a:rPr lang="en-GB" dirty="0"/>
+              <a:t>If you want to change your preferences, you can edit the default entries in file</a:t>
+            </a:r>
+          </a:p>
+          <a:p>
+            <a:pPr marL="0" indent="0">
+              <a:buNone/>
+            </a:pPr>
+            <a:r>
+              <a:rPr lang="en-GB" sz="2000" dirty="0">
+                <a:latin typeface="Menlo" panose="020B0609030804020204" pitchFamily="49" charset="0"/>
+                <a:ea typeface="Menlo" panose="020B0609030804020204" pitchFamily="49" charset="0"/>
+                <a:cs typeface="Menlo" panose="020B0609030804020204" pitchFamily="49" charset="0"/>
+              </a:rPr>
+              <a:t>    /Users/</a:t>
+            </a:r>
+            <a:r>
+              <a:rPr lang="en-GB" sz="2000" dirty="0" err="1">
+                <a:latin typeface="Menlo" panose="020B0609030804020204" pitchFamily="49" charset="0"/>
+                <a:ea typeface="Menlo" panose="020B0609030804020204" pitchFamily="49" charset="0"/>
+                <a:cs typeface="Menlo" panose="020B0609030804020204" pitchFamily="49" charset="0"/>
+              </a:rPr>
+              <a:t>etijskens</a:t>
+            </a:r>
+            <a:r>
+              <a:rPr lang="en-GB" sz="2000" dirty="0">
+                <a:latin typeface="Menlo" panose="020B0609030804020204" pitchFamily="49" charset="0"/>
+                <a:ea typeface="Menlo" panose="020B0609030804020204" pitchFamily="49" charset="0"/>
+                <a:cs typeface="Menlo" panose="020B0609030804020204" pitchFamily="49" charset="0"/>
+              </a:rPr>
+              <a:t>/.</a:t>
+            </a:r>
+            <a:r>
+              <a:rPr lang="en-GB" sz="2000" dirty="0" err="1">
+                <a:latin typeface="Menlo" panose="020B0609030804020204" pitchFamily="49" charset="0"/>
+                <a:ea typeface="Menlo" panose="020B0609030804020204" pitchFamily="49" charset="0"/>
+                <a:cs typeface="Menlo" panose="020B0609030804020204" pitchFamily="49" charset="0"/>
+              </a:rPr>
+              <a:t>et_micc</a:t>
+            </a:r>
+            <a:r>
+              <a:rPr lang="en-GB" sz="2000" dirty="0">
+                <a:latin typeface="Menlo" panose="020B0609030804020204" pitchFamily="49" charset="0"/>
+                <a:ea typeface="Menlo" panose="020B0609030804020204" pitchFamily="49" charset="0"/>
+                <a:cs typeface="Menlo" panose="020B0609030804020204" pitchFamily="49" charset="0"/>
+              </a:rPr>
+              <a:t>/</a:t>
+            </a:r>
+            <a:r>
+              <a:rPr lang="en-GB" sz="2000" dirty="0" err="1">
+                <a:latin typeface="Menlo" panose="020B0609030804020204" pitchFamily="49" charset="0"/>
+                <a:ea typeface="Menlo" panose="020B0609030804020204" pitchFamily="49" charset="0"/>
+                <a:cs typeface="Menlo" panose="020B0609030804020204" pitchFamily="49" charset="0"/>
+              </a:rPr>
+              <a:t>micc.json</a:t>
+            </a:r>
+            <a:endParaRPr lang="en-GB" sz="2000" dirty="0">
+              <a:latin typeface="Menlo" panose="020B0609030804020204" pitchFamily="49" charset="0"/>
+              <a:ea typeface="Menlo" panose="020B0609030804020204" pitchFamily="49" charset="0"/>
+              <a:cs typeface="Menlo" panose="020B0609030804020204" pitchFamily="49" charset="0"/>
+            </a:endParaRPr>
+          </a:p>
+          <a:p>
+            <a:r>
+              <a:rPr lang="en-GB" dirty="0"/>
+              <a:t>Note that these changes will only affect NEW projects. Existing projects will be unaffected.</a:t>
+            </a:r>
+          </a:p>
+          <a:p>
+            <a:r>
+              <a:rPr lang="en-GB" dirty="0"/>
+              <a:t>Alternatively, you can </a:t>
+            </a:r>
+            <a:r>
+              <a:rPr lang="en-GB" dirty="0">
+                <a:ea typeface="Menlo" panose="020B0609030804020204" pitchFamily="49" charset="0"/>
+                <a:cs typeface="Menlo" panose="020B0609030804020204" pitchFamily="49" charset="0"/>
+              </a:rPr>
+              <a:t>start all over again typing </a:t>
+            </a:r>
+          </a:p>
+          <a:p>
+            <a:pPr marL="628650" indent="0">
+              <a:buNone/>
+            </a:pPr>
+            <a:r>
+              <a:rPr lang="en-GB" sz="2100" dirty="0">
+                <a:latin typeface="Menlo" panose="020B0609030804020204" pitchFamily="49" charset="0"/>
+                <a:ea typeface="Menlo" panose="020B0609030804020204" pitchFamily="49" charset="0"/>
+                <a:cs typeface="Menlo" panose="020B0609030804020204" pitchFamily="49" charset="0"/>
+              </a:rPr>
+              <a:t>$ </a:t>
+            </a:r>
+            <a:r>
+              <a:rPr lang="en-GB" sz="2100" dirty="0" err="1">
+                <a:latin typeface="Menlo" panose="020B0609030804020204" pitchFamily="49" charset="0"/>
+                <a:ea typeface="Menlo" panose="020B0609030804020204" pitchFamily="49" charset="0"/>
+                <a:cs typeface="Menlo" panose="020B0609030804020204" pitchFamily="49" charset="0"/>
+              </a:rPr>
+              <a:t>micc</a:t>
+            </a:r>
+            <a:r>
+              <a:rPr lang="en-GB" sz="2100" dirty="0">
+                <a:latin typeface="Menlo" panose="020B0609030804020204" pitchFamily="49" charset="0"/>
+                <a:ea typeface="Menlo" panose="020B0609030804020204" pitchFamily="49" charset="0"/>
+                <a:cs typeface="Menlo" panose="020B0609030804020204" pitchFamily="49" charset="0"/>
+              </a:rPr>
+              <a:t> setup --force</a:t>
+            </a:r>
+          </a:p>
+          <a:p>
+            <a:r>
+              <a:rPr lang="en-GB" dirty="0"/>
+              <a:t>The first time you push a local repo to GitHub, git will ask the password for your GitHub account. After that it will remember the password.</a:t>
+            </a:r>
+          </a:p>
+        </p:txBody>
+      </p:sp>
+    </p:spTree>
+    <p:extLst>
+      <p:ext uri="{BB962C8B-B14F-4D97-AF65-F5344CB8AC3E}">
+        <p14:creationId xmlns:p14="http://schemas.microsoft.com/office/powerpoint/2010/main" val="622155023"/>
+      </p:ext>
+    </p:extLst>
+  </p:cSld>
+  <p:clrMapOvr>
+    <a:masterClrMapping/>
+  </p:clrMapOvr>
+</p:sld>
+</file>
+
+<file path=ppt/slides/slide9.xml><?xml version="1.0" encoding="utf-8"?>
+<p:sld xmlns:a="http://schemas.openxmlformats.org/drawingml/2006/main" xmlns:r="http://schemas.openxmlformats.org/officeDocument/2006/relationships" xmlns:p="http://schemas.openxmlformats.org/presentationml/2006/main">
+  <p:cSld>
+    <p:spTree>
+      <p:nvGrpSpPr>
+        <p:cNvPr id="1" name=""/>
+        <p:cNvGrpSpPr/>
+        <p:nvPr/>
+      </p:nvGrpSpPr>
+      <p:grpSpPr>
+        <a:xfrm>
+          <a:off x="0" y="0"/>
+          <a:ext cx="0" cy="0"/>
+          <a:chOff x="0" y="0"/>
+          <a:chExt cx="0" cy="0"/>
+        </a:xfrm>
+      </p:grpSpPr>
+      <p:sp>
+        <p:nvSpPr>
+          <p:cNvPr id="2" name="Title 1">
+            <a:extLst>
+              <a:ext uri="{FF2B5EF4-FFF2-40B4-BE49-F238E27FC236}">
                 <a16:creationId xmlns:a16="http://schemas.microsoft.com/office/drawing/2014/main" id="{FB07463F-6CBB-CD42-8F85-52F4E574D143}"/>
               </a:ext>
             </a:extLst>
@@ -4499,7 +5129,7 @@
               </a:rPr>
               <a:t>index.html</a:t>
             </a:r>
-            <a:endParaRPr lang="en-GB">
+            <a:endParaRPr lang="en-GB" dirty="0">
               <a:latin typeface="Menlo" panose="020B0609030804020204" pitchFamily="49" charset="0"/>
               <a:ea typeface="Menlo" panose="020B0609030804020204" pitchFamily="49" charset="0"/>
               <a:cs typeface="Menlo" panose="020B0609030804020204" pitchFamily="49" charset="0"/>

--- a/course-material/personal-setup.pptx
+++ b/course-material/personal-setup.pptx
@@ -3457,10 +3457,9 @@
               <a:t>engelbert.tijskens@uantwerpen.be</a:t>
             </a:r>
             <a:r>
-              <a:rPr lang="en-GB"/>
+              <a:rPr lang="en-GB" dirty="0"/>
               <a:t> </a:t>
             </a:r>
-            <a:endParaRPr lang="en-GB" dirty="0"/>
           </a:p>
         </p:txBody>
       </p:sp>
@@ -3545,7 +3544,9 @@
         </p:nvSpPr>
         <p:spPr/>
         <p:txBody>
-          <a:bodyPr/>
+          <a:bodyPr>
+            <a:normAutofit lnSpcReduction="10000"/>
+          </a:bodyPr>
           <a:lstStyle/>
           <a:p>
             <a:r>
@@ -3570,14 +3571,56 @@
             </a:r>
             <a:r>
               <a:rPr lang="en-GB" dirty="0">
-                <a:hlinkClick r:id="rId3"/>
-              </a:rPr>
-              <a:t>https://to/be/filled/in</a:t>
-            </a:r>
-            <a:r>
-              <a:rPr lang="en-GB" dirty="0"/>
-              <a:t> .</a:t>
-            </a:r>
+                <a:hlinkClick r:id="rId3" tooltip="https://calcua.uantwerpen.be/courses/parallel-programming/ubuntu-20.10.ova"/>
+              </a:rPr>
+              <a:t>https://calcua.uantwerpen.be/courses/parallel-programming/ubuntu-20.10.ova</a:t>
+            </a:r>
+            <a:r>
+              <a:rPr lang="en-GB" dirty="0"/>
+              <a:t>. It has a </a:t>
+            </a:r>
+            <a:r>
+              <a:rPr lang="en-GB" dirty="0" err="1"/>
+              <a:t>userid</a:t>
+            </a:r>
+            <a:r>
+              <a:rPr lang="en-GB" dirty="0"/>
+              <a:t> </a:t>
+            </a:r>
+            <a:r>
+              <a:rPr lang="en-GB" sz="2400" dirty="0">
+                <a:solidFill>
+                  <a:schemeClr val="accent6"/>
+                </a:solidFill>
+                <a:latin typeface="Menlo" panose="020B0609030804020204" pitchFamily="49" charset="0"/>
+                <a:ea typeface="Menlo" panose="020B0609030804020204" pitchFamily="49" charset="0"/>
+                <a:cs typeface="Menlo" panose="020B0609030804020204" pitchFamily="49" charset="0"/>
+              </a:rPr>
+              <a:t>user</a:t>
+            </a:r>
+            <a:r>
+              <a:rPr lang="en-GB" dirty="0"/>
+              <a:t> with password </a:t>
+            </a:r>
+            <a:r>
+              <a:rPr lang="en-GB" sz="2400" dirty="0" err="1">
+                <a:solidFill>
+                  <a:schemeClr val="accent6"/>
+                </a:solidFill>
+                <a:latin typeface="Menlo" panose="020B0609030804020204" pitchFamily="49" charset="0"/>
+                <a:ea typeface="Menlo" panose="020B0609030804020204" pitchFamily="49" charset="0"/>
+                <a:cs typeface="Menlo" panose="020B0609030804020204" pitchFamily="49" charset="0"/>
+              </a:rPr>
+              <a:t>calcua@ua</a:t>
+            </a:r>
+            <a:endParaRPr lang="en-GB" sz="2400" dirty="0">
+              <a:solidFill>
+                <a:schemeClr val="accent6"/>
+              </a:solidFill>
+              <a:latin typeface="Menlo" panose="020B0609030804020204" pitchFamily="49" charset="0"/>
+              <a:ea typeface="Menlo" panose="020B0609030804020204" pitchFamily="49" charset="0"/>
+              <a:cs typeface="Menlo" panose="020B0609030804020204" pitchFamily="49" charset="0"/>
+            </a:endParaRPr>
           </a:p>
           <a:p>
             <a:r>

--- a/course-material/personal-setup.pptx
+++ b/course-material/personal-setup.pptx
@@ -13,7 +13,8 @@
     <p:sldId id="260" r:id="rId7"/>
     <p:sldId id="263" r:id="rId8"/>
     <p:sldId id="264" r:id="rId9"/>
-    <p:sldId id="261" r:id="rId10"/>
+    <p:sldId id="265" r:id="rId10"/>
+    <p:sldId id="261" r:id="rId11"/>
   </p:sldIdLst>
   <p:sldSz cx="12192000" cy="6858000"/>
   <p:notesSz cx="6858000" cy="9144000"/>
@@ -267,7 +268,7 @@
           <a:p>
             <a:fld id="{0A70EEE9-CB05-5E4B-AF7A-E82B7595DC6C}" type="datetimeFigureOut">
               <a:rPr lang="en-GB" smtClean="0"/>
-              <a:t>04/02/2021</a:t>
+              <a:t>03/03/2021</a:t>
             </a:fld>
             <a:endParaRPr lang="en-GB"/>
           </a:p>
@@ -465,7 +466,7 @@
           <a:p>
             <a:fld id="{0A70EEE9-CB05-5E4B-AF7A-E82B7595DC6C}" type="datetimeFigureOut">
               <a:rPr lang="en-GB" smtClean="0"/>
-              <a:t>04/02/2021</a:t>
+              <a:t>03/03/2021</a:t>
             </a:fld>
             <a:endParaRPr lang="en-GB"/>
           </a:p>
@@ -673,7 +674,7 @@
           <a:p>
             <a:fld id="{0A70EEE9-CB05-5E4B-AF7A-E82B7595DC6C}" type="datetimeFigureOut">
               <a:rPr lang="en-GB" smtClean="0"/>
-              <a:t>04/02/2021</a:t>
+              <a:t>03/03/2021</a:t>
             </a:fld>
             <a:endParaRPr lang="en-GB"/>
           </a:p>
@@ -871,7 +872,7 @@
           <a:p>
             <a:fld id="{0A70EEE9-CB05-5E4B-AF7A-E82B7595DC6C}" type="datetimeFigureOut">
               <a:rPr lang="en-GB" smtClean="0"/>
-              <a:t>04/02/2021</a:t>
+              <a:t>03/03/2021</a:t>
             </a:fld>
             <a:endParaRPr lang="en-GB"/>
           </a:p>
@@ -1146,7 +1147,7 @@
           <a:p>
             <a:fld id="{0A70EEE9-CB05-5E4B-AF7A-E82B7595DC6C}" type="datetimeFigureOut">
               <a:rPr lang="en-GB" smtClean="0"/>
-              <a:t>04/02/2021</a:t>
+              <a:t>03/03/2021</a:t>
             </a:fld>
             <a:endParaRPr lang="en-GB"/>
           </a:p>
@@ -1411,7 +1412,7 @@
           <a:p>
             <a:fld id="{0A70EEE9-CB05-5E4B-AF7A-E82B7595DC6C}" type="datetimeFigureOut">
               <a:rPr lang="en-GB" smtClean="0"/>
-              <a:t>04/02/2021</a:t>
+              <a:t>03/03/2021</a:t>
             </a:fld>
             <a:endParaRPr lang="en-GB"/>
           </a:p>
@@ -1823,7 +1824,7 @@
           <a:p>
             <a:fld id="{0A70EEE9-CB05-5E4B-AF7A-E82B7595DC6C}" type="datetimeFigureOut">
               <a:rPr lang="en-GB" smtClean="0"/>
-              <a:t>04/02/2021</a:t>
+              <a:t>03/03/2021</a:t>
             </a:fld>
             <a:endParaRPr lang="en-GB"/>
           </a:p>
@@ -1964,7 +1965,7 @@
           <a:p>
             <a:fld id="{0A70EEE9-CB05-5E4B-AF7A-E82B7595DC6C}" type="datetimeFigureOut">
               <a:rPr lang="en-GB" smtClean="0"/>
-              <a:t>04/02/2021</a:t>
+              <a:t>03/03/2021</a:t>
             </a:fld>
             <a:endParaRPr lang="en-GB"/>
           </a:p>
@@ -2077,7 +2078,7 @@
           <a:p>
             <a:fld id="{0A70EEE9-CB05-5E4B-AF7A-E82B7595DC6C}" type="datetimeFigureOut">
               <a:rPr lang="en-GB" smtClean="0"/>
-              <a:t>04/02/2021</a:t>
+              <a:t>03/03/2021</a:t>
             </a:fld>
             <a:endParaRPr lang="en-GB"/>
           </a:p>
@@ -2388,7 +2389,7 @@
           <a:p>
             <a:fld id="{0A70EEE9-CB05-5E4B-AF7A-E82B7595DC6C}" type="datetimeFigureOut">
               <a:rPr lang="en-GB" smtClean="0"/>
-              <a:t>04/02/2021</a:t>
+              <a:t>03/03/2021</a:t>
             </a:fld>
             <a:endParaRPr lang="en-GB"/>
           </a:p>
@@ -2676,7 +2677,7 @@
           <a:p>
             <a:fld id="{0A70EEE9-CB05-5E4B-AF7A-E82B7595DC6C}" type="datetimeFigureOut">
               <a:rPr lang="en-GB" smtClean="0"/>
-              <a:t>04/02/2021</a:t>
+              <a:t>03/03/2021</a:t>
             </a:fld>
             <a:endParaRPr lang="en-GB"/>
           </a:p>
@@ -2917,7 +2918,7 @@
           <a:p>
             <a:fld id="{0A70EEE9-CB05-5E4B-AF7A-E82B7595DC6C}" type="datetimeFigureOut">
               <a:rPr lang="en-GB" smtClean="0"/>
-              <a:t>04/02/2021</a:t>
+              <a:t>03/03/2021</a:t>
             </a:fld>
             <a:endParaRPr lang="en-GB"/>
           </a:p>
@@ -3476,6 +3477,228 @@
 </p:sld>
 </file>
 
+<file path=ppt/slides/slide10.xml><?xml version="1.0" encoding="utf-8"?>
+<p:sld xmlns:a="http://schemas.openxmlformats.org/drawingml/2006/main" xmlns:r="http://schemas.openxmlformats.org/officeDocument/2006/relationships" xmlns:p="http://schemas.openxmlformats.org/presentationml/2006/main">
+  <p:cSld>
+    <p:spTree>
+      <p:nvGrpSpPr>
+        <p:cNvPr id="1" name=""/>
+        <p:cNvGrpSpPr/>
+        <p:nvPr/>
+      </p:nvGrpSpPr>
+      <p:grpSpPr>
+        <a:xfrm>
+          <a:off x="0" y="0"/>
+          <a:ext cx="0" cy="0"/>
+          <a:chOff x="0" y="0"/>
+          <a:chExt cx="0" cy="0"/>
+        </a:xfrm>
+      </p:grpSpPr>
+      <p:sp>
+        <p:nvSpPr>
+          <p:cNvPr id="2" name="Title 1">
+            <a:extLst>
+              <a:ext uri="{FF2B5EF4-FFF2-40B4-BE49-F238E27FC236}">
+                <a16:creationId xmlns:a16="http://schemas.microsoft.com/office/drawing/2014/main" id="{FB07463F-6CBB-CD42-8F85-52F4E574D143}"/>
+              </a:ext>
+            </a:extLst>
+          </p:cNvPr>
+          <p:cNvSpPr>
+            <a:spLocks noGrp="1"/>
+          </p:cNvSpPr>
+          <p:nvPr>
+            <p:ph type="title"/>
+          </p:nvPr>
+        </p:nvSpPr>
+        <p:spPr/>
+        <p:txBody>
+          <a:bodyPr/>
+          <a:lstStyle/>
+          <a:p>
+            <a:r>
+              <a:rPr lang="en-GB" dirty="0"/>
+              <a:t>you’re good to go </a:t>
+            </a:r>
+          </a:p>
+        </p:txBody>
+      </p:sp>
+      <p:sp>
+        <p:nvSpPr>
+          <p:cNvPr id="3" name="Content Placeholder 2">
+            <a:extLst>
+              <a:ext uri="{FF2B5EF4-FFF2-40B4-BE49-F238E27FC236}">
+                <a16:creationId xmlns:a16="http://schemas.microsoft.com/office/drawing/2014/main" id="{BC606D11-07E8-6E4F-ADB0-F62A77F2B032}"/>
+              </a:ext>
+            </a:extLst>
+          </p:cNvPr>
+          <p:cNvSpPr>
+            <a:spLocks noGrp="1"/>
+          </p:cNvSpPr>
+          <p:nvPr>
+            <p:ph idx="1"/>
+          </p:nvPr>
+        </p:nvSpPr>
+        <p:spPr/>
+        <p:txBody>
+          <a:bodyPr/>
+          <a:lstStyle/>
+          <a:p>
+            <a:r>
+              <a:rPr lang="en-GB" dirty="0"/>
+              <a:t>browse the </a:t>
+            </a:r>
+            <a:r>
+              <a:rPr lang="en-GB" dirty="0" err="1">
+                <a:latin typeface="Menlo" panose="020B0609030804020204" pitchFamily="49" charset="0"/>
+                <a:ea typeface="Menlo" panose="020B0609030804020204" pitchFamily="49" charset="0"/>
+                <a:cs typeface="Menlo" panose="020B0609030804020204" pitchFamily="49" charset="0"/>
+              </a:rPr>
+              <a:t>micc</a:t>
+            </a:r>
+            <a:r>
+              <a:rPr lang="en-GB" dirty="0"/>
+              <a:t> tutorials</a:t>
+            </a:r>
+          </a:p>
+          <a:p>
+            <a:pPr lvl="1"/>
+            <a:r>
+              <a:rPr lang="en-GB" dirty="0"/>
+              <a:t>at </a:t>
+            </a:r>
+            <a:r>
+              <a:rPr lang="en-GB" dirty="0">
+                <a:hlinkClick r:id="rId2"/>
+              </a:rPr>
+              <a:t>https://micc.readthedocs.io/en/master/devenv.html</a:t>
+            </a:r>
+            <a:r>
+              <a:rPr lang="en-GB" dirty="0"/>
+              <a:t> </a:t>
+            </a:r>
+          </a:p>
+          <a:p>
+            <a:pPr lvl="1"/>
+            <a:r>
+              <a:rPr lang="en-GB" dirty="0"/>
+              <a:t>or in the course’s git repository</a:t>
+            </a:r>
+          </a:p>
+          <a:p>
+            <a:pPr lvl="2"/>
+            <a:r>
+              <a:rPr lang="en-GB" dirty="0">
+                <a:latin typeface="Menlo" panose="020B0609030804020204" pitchFamily="49" charset="0"/>
+                <a:ea typeface="Menlo" panose="020B0609030804020204" pitchFamily="49" charset="0"/>
+                <a:cs typeface="Menlo" panose="020B0609030804020204" pitchFamily="49" charset="0"/>
+              </a:rPr>
+              <a:t>$ cd workspace</a:t>
+            </a:r>
+          </a:p>
+          <a:p>
+            <a:pPr lvl="2"/>
+            <a:r>
+              <a:rPr lang="en-GB" dirty="0">
+                <a:latin typeface="Menlo" panose="020B0609030804020204" pitchFamily="49" charset="0"/>
+                <a:ea typeface="Menlo" panose="020B0609030804020204" pitchFamily="49" charset="0"/>
+                <a:cs typeface="Menlo" panose="020B0609030804020204" pitchFamily="49" charset="0"/>
+              </a:rPr>
+              <a:t>$ git clone </a:t>
+            </a:r>
+            <a:r>
+              <a:rPr lang="en-GB" dirty="0">
+                <a:latin typeface="Menlo" panose="020B0609030804020204" pitchFamily="49" charset="0"/>
+                <a:ea typeface="Menlo" panose="020B0609030804020204" pitchFamily="49" charset="0"/>
+                <a:cs typeface="Menlo" panose="020B0609030804020204" pitchFamily="49" charset="0"/>
+                <a:hlinkClick r:id="rId3"/>
+              </a:rPr>
+              <a:t>https://github.com/etijskens/pp</a:t>
+            </a:r>
+            <a:endParaRPr lang="en-GB" dirty="0">
+              <a:latin typeface="Menlo" panose="020B0609030804020204" pitchFamily="49" charset="0"/>
+              <a:ea typeface="Menlo" panose="020B0609030804020204" pitchFamily="49" charset="0"/>
+              <a:cs typeface="Menlo" panose="020B0609030804020204" pitchFamily="49" charset="0"/>
+            </a:endParaRPr>
+          </a:p>
+          <a:p>
+            <a:pPr lvl="2"/>
+            <a:r>
+              <a:rPr lang="en-GB" dirty="0">
+                <a:latin typeface="Menlo" panose="020B0609030804020204" pitchFamily="49" charset="0"/>
+                <a:ea typeface="Menlo" panose="020B0609030804020204" pitchFamily="49" charset="0"/>
+                <a:cs typeface="Menlo" panose="020B0609030804020204" pitchFamily="49" charset="0"/>
+              </a:rPr>
+              <a:t>$ </a:t>
+            </a:r>
+            <a:r>
+              <a:rPr lang="en-GB" dirty="0" err="1">
+                <a:latin typeface="Menlo" panose="020B0609030804020204" pitchFamily="49" charset="0"/>
+                <a:ea typeface="Menlo" panose="020B0609030804020204" pitchFamily="49" charset="0"/>
+                <a:cs typeface="Menlo" panose="020B0609030804020204" pitchFamily="49" charset="0"/>
+              </a:rPr>
+              <a:t>xdg</a:t>
+            </a:r>
+            <a:r>
+              <a:rPr lang="en-GB" dirty="0">
+                <a:latin typeface="Menlo" panose="020B0609030804020204" pitchFamily="49" charset="0"/>
+                <a:ea typeface="Menlo" panose="020B0609030804020204" pitchFamily="49" charset="0"/>
+                <a:cs typeface="Menlo" panose="020B0609030804020204" pitchFamily="49" charset="0"/>
+              </a:rPr>
+              <a:t>-open pp/course-material/</a:t>
+            </a:r>
+            <a:r>
+              <a:rPr lang="en-GB" dirty="0" err="1">
+                <a:latin typeface="Menlo" panose="020B0609030804020204" pitchFamily="49" charset="0"/>
+                <a:ea typeface="Menlo" panose="020B0609030804020204" pitchFamily="49" charset="0"/>
+                <a:cs typeface="Menlo" panose="020B0609030804020204" pitchFamily="49" charset="0"/>
+              </a:rPr>
+              <a:t>micc</a:t>
+            </a:r>
+            <a:r>
+              <a:rPr lang="en-GB" dirty="0">
+                <a:latin typeface="Menlo" panose="020B0609030804020204" pitchFamily="49" charset="0"/>
+                <a:ea typeface="Menlo" panose="020B0609030804020204" pitchFamily="49" charset="0"/>
+                <a:cs typeface="Menlo" panose="020B0609030804020204" pitchFamily="49" charset="0"/>
+              </a:rPr>
+              <a:t>-documentation/</a:t>
+            </a:r>
+            <a:r>
+              <a:rPr lang="en-GB" dirty="0" err="1">
+                <a:latin typeface="Menlo" panose="020B0609030804020204" pitchFamily="49" charset="0"/>
+                <a:ea typeface="Menlo" panose="020B0609030804020204" pitchFamily="49" charset="0"/>
+                <a:cs typeface="Menlo" panose="020B0609030804020204" pitchFamily="49" charset="0"/>
+              </a:rPr>
+              <a:t>index.html</a:t>
+            </a:r>
+            <a:endParaRPr lang="en-GB" dirty="0">
+              <a:latin typeface="Menlo" panose="020B0609030804020204" pitchFamily="49" charset="0"/>
+              <a:ea typeface="Menlo" panose="020B0609030804020204" pitchFamily="49" charset="0"/>
+              <a:cs typeface="Menlo" panose="020B0609030804020204" pitchFamily="49" charset="0"/>
+            </a:endParaRPr>
+          </a:p>
+          <a:p>
+            <a:pPr lvl="2"/>
+            <a:endParaRPr lang="en-GB" dirty="0">
+              <a:latin typeface="Menlo" panose="020B0609030804020204" pitchFamily="49" charset="0"/>
+              <a:ea typeface="Menlo" panose="020B0609030804020204" pitchFamily="49" charset="0"/>
+              <a:cs typeface="Menlo" panose="020B0609030804020204" pitchFamily="49" charset="0"/>
+            </a:endParaRPr>
+          </a:p>
+        </p:txBody>
+      </p:sp>
+    </p:spTree>
+    <p:extLst>
+      <p:ext uri="{BB962C8B-B14F-4D97-AF65-F5344CB8AC3E}">
+        <p14:creationId xmlns:p14="http://schemas.microsoft.com/office/powerpoint/2010/main" val="355608632"/>
+      </p:ext>
+    </p:extLst>
+  </p:cSld>
+  <p:clrMapOvr>
+    <a:masterClrMapping/>
+  </p:clrMapOvr>
+</p:sld>
+</file>
+
 <file path=ppt/slides/slide2.xml><?xml version="1.0" encoding="utf-8"?>
 <p:sld xmlns:a="http://schemas.openxmlformats.org/drawingml/2006/main" xmlns:r="http://schemas.openxmlformats.org/officeDocument/2006/relationships" xmlns:p="http://schemas.openxmlformats.org/presentationml/2006/main">
   <p:cSld>
@@ -5001,7 +5224,7 @@
           <p:cNvPr id="2" name="Title 1">
             <a:extLst>
               <a:ext uri="{FF2B5EF4-FFF2-40B4-BE49-F238E27FC236}">
-                <a16:creationId xmlns:a16="http://schemas.microsoft.com/office/drawing/2014/main" id="{FB07463F-6CBB-CD42-8F85-52F4E574D143}"/>
+                <a16:creationId xmlns:a16="http://schemas.microsoft.com/office/drawing/2014/main" id="{C913B9B7-6037-9A48-BFA0-EDCE0FB93744}"/>
               </a:ext>
             </a:extLst>
           </p:cNvPr>
@@ -5018,8 +5241,12 @@
           <a:lstStyle/>
           <a:p>
             <a:r>
-              <a:rPr lang="en-GB" dirty="0"/>
-              <a:t>you’re good to go </a:t>
+              <a:rPr lang="en-GB"/>
+              <a:t>Things </a:t>
+            </a:r>
+            <a:r>
+              <a:rPr lang="en-GB" dirty="0"/>
+              <a:t>I forgot to install …</a:t>
             </a:r>
           </a:p>
         </p:txBody>
@@ -5029,7 +5256,7 @@
           <p:cNvPr id="3" name="Content Placeholder 2">
             <a:extLst>
               <a:ext uri="{FF2B5EF4-FFF2-40B4-BE49-F238E27FC236}">
-                <a16:creationId xmlns:a16="http://schemas.microsoft.com/office/drawing/2014/main" id="{BC606D11-07E8-6E4F-ADB0-F62A77F2B032}"/>
+                <a16:creationId xmlns:a16="http://schemas.microsoft.com/office/drawing/2014/main" id="{CE9DA791-3F8E-B24A-9507-336B46AAD799}"/>
               </a:ext>
             </a:extLst>
           </p:cNvPr>
@@ -5046,152 +5273,79 @@
           <a:lstStyle/>
           <a:p>
             <a:r>
-              <a:rPr lang="en-GB" dirty="0"/>
-              <a:t>browse the </a:t>
-            </a:r>
-            <a:r>
-              <a:rPr lang="en-GB" dirty="0" err="1">
-                <a:latin typeface="Menlo" panose="020B0609030804020204" pitchFamily="49" charset="0"/>
-                <a:ea typeface="Menlo" panose="020B0609030804020204" pitchFamily="49" charset="0"/>
-                <a:cs typeface="Menlo" panose="020B0609030804020204" pitchFamily="49" charset="0"/>
-              </a:rPr>
-              <a:t>micc</a:t>
-            </a:r>
-            <a:r>
-              <a:rPr lang="en-GB" dirty="0"/>
-              <a:t> tutorials</a:t>
+              <a:rPr lang="en-GB" dirty="0" err="1"/>
+              <a:t>openmpi</a:t>
+            </a:r>
+            <a:r>
+              <a:rPr lang="en-GB" dirty="0"/>
+              <a:t>:</a:t>
             </a:r>
           </a:p>
           <a:p>
             <a:pPr lvl="1"/>
             <a:r>
               <a:rPr lang="en-GB" dirty="0"/>
-              <a:t>at </a:t>
-            </a:r>
-            <a:r>
-              <a:rPr lang="en-GB" dirty="0">
-                <a:hlinkClick r:id="rId2"/>
-              </a:rPr>
-              <a:t>https://micc.readthedocs.io/en/master/devenv.html</a:t>
-            </a:r>
-            <a:r>
-              <a:rPr lang="en-GB" dirty="0"/>
-              <a:t> </a:t>
-            </a:r>
-          </a:p>
-          <a:p>
-            <a:pPr lvl="1"/>
-            <a:r>
-              <a:rPr lang="en-GB" dirty="0"/>
-              <a:t>or in the course’s git repository</a:t>
-            </a:r>
-          </a:p>
-          <a:p>
-            <a:pPr lvl="2"/>
-            <a:r>
-              <a:rPr lang="en-GB" dirty="0">
-                <a:latin typeface="Menlo" panose="020B0609030804020204" pitchFamily="49" charset="0"/>
-                <a:ea typeface="Menlo" panose="020B0609030804020204" pitchFamily="49" charset="0"/>
-                <a:cs typeface="Menlo" panose="020B0609030804020204" pitchFamily="49" charset="0"/>
-              </a:rPr>
-              <a:t>$ cd workspace</a:t>
-            </a:r>
-          </a:p>
-          <a:p>
-            <a:pPr lvl="2"/>
-            <a:r>
-              <a:rPr lang="en-GB" dirty="0">
-                <a:latin typeface="Menlo" panose="020B0609030804020204" pitchFamily="49" charset="0"/>
-                <a:ea typeface="Menlo" panose="020B0609030804020204" pitchFamily="49" charset="0"/>
-                <a:cs typeface="Menlo" panose="020B0609030804020204" pitchFamily="49" charset="0"/>
-              </a:rPr>
-              <a:t>$ git clone </a:t>
-            </a:r>
-            <a:r>
-              <a:rPr lang="en-GB" dirty="0">
-                <a:latin typeface="Menlo" panose="020B0609030804020204" pitchFamily="49" charset="0"/>
-                <a:ea typeface="Menlo" panose="020B0609030804020204" pitchFamily="49" charset="0"/>
-                <a:cs typeface="Menlo" panose="020B0609030804020204" pitchFamily="49" charset="0"/>
-                <a:hlinkClick r:id="rId3"/>
-              </a:rPr>
-              <a:t>https://github.com/etijskens/pp</a:t>
-            </a:r>
-            <a:endParaRPr lang="en-GB" dirty="0">
-              <a:latin typeface="Menlo" panose="020B0609030804020204" pitchFamily="49" charset="0"/>
-              <a:ea typeface="Menlo" panose="020B0609030804020204" pitchFamily="49" charset="0"/>
-              <a:cs typeface="Menlo" panose="020B0609030804020204" pitchFamily="49" charset="0"/>
-            </a:endParaRPr>
-          </a:p>
-          <a:p>
-            <a:pPr lvl="2"/>
-            <a:r>
-              <a:rPr lang="en-GB" dirty="0">
-                <a:latin typeface="Menlo" panose="020B0609030804020204" pitchFamily="49" charset="0"/>
-                <a:ea typeface="Menlo" panose="020B0609030804020204" pitchFamily="49" charset="0"/>
-                <a:cs typeface="Menlo" panose="020B0609030804020204" pitchFamily="49" charset="0"/>
-              </a:rPr>
-              <a:t>$ </a:t>
-            </a:r>
-            <a:r>
-              <a:rPr lang="en-GB" dirty="0" err="1">
-                <a:latin typeface="Menlo" panose="020B0609030804020204" pitchFamily="49" charset="0"/>
-                <a:ea typeface="Menlo" panose="020B0609030804020204" pitchFamily="49" charset="0"/>
-                <a:cs typeface="Menlo" panose="020B0609030804020204" pitchFamily="49" charset="0"/>
-              </a:rPr>
-              <a:t>xdg</a:t>
-            </a:r>
-            <a:r>
-              <a:rPr lang="en-GB" dirty="0">
-                <a:latin typeface="Menlo" panose="020B0609030804020204" pitchFamily="49" charset="0"/>
-                <a:ea typeface="Menlo" panose="020B0609030804020204" pitchFamily="49" charset="0"/>
-                <a:cs typeface="Menlo" panose="020B0609030804020204" pitchFamily="49" charset="0"/>
-              </a:rPr>
-              <a:t>-open pp/course-material/</a:t>
-            </a:r>
-            <a:r>
-              <a:rPr lang="en-GB" dirty="0" err="1">
-                <a:latin typeface="Menlo" panose="020B0609030804020204" pitchFamily="49" charset="0"/>
-                <a:ea typeface="Menlo" panose="020B0609030804020204" pitchFamily="49" charset="0"/>
-                <a:cs typeface="Menlo" panose="020B0609030804020204" pitchFamily="49" charset="0"/>
-              </a:rPr>
-              <a:t>micc</a:t>
-            </a:r>
-            <a:r>
-              <a:rPr lang="en-GB" dirty="0">
-                <a:latin typeface="Menlo" panose="020B0609030804020204" pitchFamily="49" charset="0"/>
-                <a:ea typeface="Menlo" panose="020B0609030804020204" pitchFamily="49" charset="0"/>
-                <a:cs typeface="Menlo" panose="020B0609030804020204" pitchFamily="49" charset="0"/>
-              </a:rPr>
-              <a:t>-documentation/</a:t>
-            </a:r>
-            <a:r>
-              <a:rPr lang="en-GB" dirty="0" err="1">
-                <a:latin typeface="Menlo" panose="020B0609030804020204" pitchFamily="49" charset="0"/>
-                <a:ea typeface="Menlo" panose="020B0609030804020204" pitchFamily="49" charset="0"/>
-                <a:cs typeface="Menlo" panose="020B0609030804020204" pitchFamily="49" charset="0"/>
-              </a:rPr>
-              <a:t>index.html</a:t>
-            </a:r>
-            <a:endParaRPr lang="en-GB" dirty="0">
-              <a:latin typeface="Menlo" panose="020B0609030804020204" pitchFamily="49" charset="0"/>
-              <a:ea typeface="Menlo" panose="020B0609030804020204" pitchFamily="49" charset="0"/>
-              <a:cs typeface="Menlo" panose="020B0609030804020204" pitchFamily="49" charset="0"/>
-            </a:endParaRPr>
-          </a:p>
-          <a:p>
-            <a:pPr lvl="2"/>
-            <a:endParaRPr lang="en-GB" dirty="0">
-              <a:latin typeface="Menlo" panose="020B0609030804020204" pitchFamily="49" charset="0"/>
-              <a:ea typeface="Menlo" panose="020B0609030804020204" pitchFamily="49" charset="0"/>
-              <a:cs typeface="Menlo" panose="020B0609030804020204" pitchFamily="49" charset="0"/>
-            </a:endParaRPr>
+              <a:t>Open terminal and execute these commands (</a:t>
+            </a:r>
+            <a:r>
+              <a:rPr lang="en-GB" dirty="0" err="1"/>
+              <a:t>sudo</a:t>
+            </a:r>
+            <a:r>
+              <a:rPr lang="en-GB" dirty="0"/>
+              <a:t> password is </a:t>
+            </a:r>
+            <a:r>
+              <a:rPr lang="en-GB" dirty="0" err="1"/>
+              <a:t>calcua@ua</a:t>
+            </a:r>
+            <a:r>
+              <a:rPr lang="en-GB" dirty="0"/>
+              <a:t>)</a:t>
+            </a:r>
+          </a:p>
+          <a:p>
+            <a:pPr lvl="1">
+              <a:buFont typeface="System Font Regular"/>
+              <a:buChar char="&gt;"/>
+            </a:pPr>
+            <a:r>
+              <a:rPr lang="en-GB" dirty="0" err="1"/>
+              <a:t>sudo</a:t>
+            </a:r>
+            <a:r>
+              <a:rPr lang="en-GB" dirty="0"/>
+              <a:t> install </a:t>
+            </a:r>
+            <a:r>
+              <a:rPr lang="en-GB" dirty="0" err="1"/>
+              <a:t>openmpi</a:t>
+            </a:r>
+            <a:r>
+              <a:rPr lang="en-GB" dirty="0"/>
+              <a:t>-bin </a:t>
+            </a:r>
+            <a:r>
+              <a:rPr lang="en-GB" dirty="0" err="1"/>
+              <a:t>libopenmpi</a:t>
+            </a:r>
+            <a:r>
+              <a:rPr lang="en-GB" dirty="0"/>
+              <a:t>-dev</a:t>
+            </a:r>
+          </a:p>
+          <a:p>
+            <a:pPr marL="457200" lvl="1" indent="0">
+              <a:buNone/>
+            </a:pPr>
+            <a:endParaRPr lang="en-GB" dirty="0"/>
           </a:p>
         </p:txBody>
       </p:sp>
     </p:spTree>
     <p:extLst>
       <p:ext uri="{BB962C8B-B14F-4D97-AF65-F5344CB8AC3E}">
-        <p14:creationId xmlns:p14="http://schemas.microsoft.com/office/powerpoint/2010/main" val="355608632"/>
+        <p14:creationId xmlns:p14="http://schemas.microsoft.com/office/powerpoint/2010/main" val="2152779959"/>
       </p:ext>
     </p:extLst>
   </p:cSld>

--- a/course-material/personal-setup.pptx
+++ b/course-material/personal-setup.pptx
@@ -268,7 +268,7 @@
           <a:p>
             <a:fld id="{0A70EEE9-CB05-5E4B-AF7A-E82B7595DC6C}" type="datetimeFigureOut">
               <a:rPr lang="en-GB" smtClean="0"/>
-              <a:t>03/03/2021</a:t>
+              <a:t>15/03/2021</a:t>
             </a:fld>
             <a:endParaRPr lang="en-GB"/>
           </a:p>
@@ -466,7 +466,7 @@
           <a:p>
             <a:fld id="{0A70EEE9-CB05-5E4B-AF7A-E82B7595DC6C}" type="datetimeFigureOut">
               <a:rPr lang="en-GB" smtClean="0"/>
-              <a:t>03/03/2021</a:t>
+              <a:t>15/03/2021</a:t>
             </a:fld>
             <a:endParaRPr lang="en-GB"/>
           </a:p>
@@ -674,7 +674,7 @@
           <a:p>
             <a:fld id="{0A70EEE9-CB05-5E4B-AF7A-E82B7595DC6C}" type="datetimeFigureOut">
               <a:rPr lang="en-GB" smtClean="0"/>
-              <a:t>03/03/2021</a:t>
+              <a:t>15/03/2021</a:t>
             </a:fld>
             <a:endParaRPr lang="en-GB"/>
           </a:p>
@@ -872,7 +872,7 @@
           <a:p>
             <a:fld id="{0A70EEE9-CB05-5E4B-AF7A-E82B7595DC6C}" type="datetimeFigureOut">
               <a:rPr lang="en-GB" smtClean="0"/>
-              <a:t>03/03/2021</a:t>
+              <a:t>15/03/2021</a:t>
             </a:fld>
             <a:endParaRPr lang="en-GB"/>
           </a:p>
@@ -1147,7 +1147,7 @@
           <a:p>
             <a:fld id="{0A70EEE9-CB05-5E4B-AF7A-E82B7595DC6C}" type="datetimeFigureOut">
               <a:rPr lang="en-GB" smtClean="0"/>
-              <a:t>03/03/2021</a:t>
+              <a:t>15/03/2021</a:t>
             </a:fld>
             <a:endParaRPr lang="en-GB"/>
           </a:p>
@@ -1412,7 +1412,7 @@
           <a:p>
             <a:fld id="{0A70EEE9-CB05-5E4B-AF7A-E82B7595DC6C}" type="datetimeFigureOut">
               <a:rPr lang="en-GB" smtClean="0"/>
-              <a:t>03/03/2021</a:t>
+              <a:t>15/03/2021</a:t>
             </a:fld>
             <a:endParaRPr lang="en-GB"/>
           </a:p>
@@ -1824,7 +1824,7 @@
           <a:p>
             <a:fld id="{0A70EEE9-CB05-5E4B-AF7A-E82B7595DC6C}" type="datetimeFigureOut">
               <a:rPr lang="en-GB" smtClean="0"/>
-              <a:t>03/03/2021</a:t>
+              <a:t>15/03/2021</a:t>
             </a:fld>
             <a:endParaRPr lang="en-GB"/>
           </a:p>
@@ -1965,7 +1965,7 @@
           <a:p>
             <a:fld id="{0A70EEE9-CB05-5E4B-AF7A-E82B7595DC6C}" type="datetimeFigureOut">
               <a:rPr lang="en-GB" smtClean="0"/>
-              <a:t>03/03/2021</a:t>
+              <a:t>15/03/2021</a:t>
             </a:fld>
             <a:endParaRPr lang="en-GB"/>
           </a:p>
@@ -2078,7 +2078,7 @@
           <a:p>
             <a:fld id="{0A70EEE9-CB05-5E4B-AF7A-E82B7595DC6C}" type="datetimeFigureOut">
               <a:rPr lang="en-GB" smtClean="0"/>
-              <a:t>03/03/2021</a:t>
+              <a:t>15/03/2021</a:t>
             </a:fld>
             <a:endParaRPr lang="en-GB"/>
           </a:p>
@@ -2389,7 +2389,7 @@
           <a:p>
             <a:fld id="{0A70EEE9-CB05-5E4B-AF7A-E82B7595DC6C}" type="datetimeFigureOut">
               <a:rPr lang="en-GB" smtClean="0"/>
-              <a:t>03/03/2021</a:t>
+              <a:t>15/03/2021</a:t>
             </a:fld>
             <a:endParaRPr lang="en-GB"/>
           </a:p>
@@ -2677,7 +2677,7 @@
           <a:p>
             <a:fld id="{0A70EEE9-CB05-5E4B-AF7A-E82B7595DC6C}" type="datetimeFigureOut">
               <a:rPr lang="en-GB" smtClean="0"/>
-              <a:t>03/03/2021</a:t>
+              <a:t>15/03/2021</a:t>
             </a:fld>
             <a:endParaRPr lang="en-GB"/>
           </a:p>
@@ -2918,7 +2918,7 @@
           <a:p>
             <a:fld id="{0A70EEE9-CB05-5E4B-AF7A-E82B7595DC6C}" type="datetimeFigureOut">
               <a:rPr lang="en-GB" smtClean="0"/>
-              <a:t>03/03/2021</a:t>
+              <a:t>15/03/2021</a:t>
             </a:fld>
             <a:endParaRPr lang="en-GB"/>
           </a:p>
@@ -5314,8 +5314,8 @@
               <a:t>sudo</a:t>
             </a:r>
             <a:r>
-              <a:rPr lang="en-GB" dirty="0"/>
-              <a:t> install </a:t>
+              <a:rPr lang="en-GB"/>
+              <a:t> apt-get install </a:t>
             </a:r>
             <a:r>
               <a:rPr lang="en-GB" dirty="0" err="1"/>

--- a/course-material/personal-setup.pptx
+++ b/course-material/personal-setup.pptx
@@ -268,7 +268,7 @@
           <a:p>
             <a:fld id="{0A70EEE9-CB05-5E4B-AF7A-E82B7595DC6C}" type="datetimeFigureOut">
               <a:rPr lang="en-GB" smtClean="0"/>
-              <a:t>15/03/2021</a:t>
+              <a:t>02/03/2022</a:t>
             </a:fld>
             <a:endParaRPr lang="en-GB"/>
           </a:p>
@@ -466,7 +466,7 @@
           <a:p>
             <a:fld id="{0A70EEE9-CB05-5E4B-AF7A-E82B7595DC6C}" type="datetimeFigureOut">
               <a:rPr lang="en-GB" smtClean="0"/>
-              <a:t>15/03/2021</a:t>
+              <a:t>02/03/2022</a:t>
             </a:fld>
             <a:endParaRPr lang="en-GB"/>
           </a:p>
@@ -674,7 +674,7 @@
           <a:p>
             <a:fld id="{0A70EEE9-CB05-5E4B-AF7A-E82B7595DC6C}" type="datetimeFigureOut">
               <a:rPr lang="en-GB" smtClean="0"/>
-              <a:t>15/03/2021</a:t>
+              <a:t>02/03/2022</a:t>
             </a:fld>
             <a:endParaRPr lang="en-GB"/>
           </a:p>
@@ -872,7 +872,7 @@
           <a:p>
             <a:fld id="{0A70EEE9-CB05-5E4B-AF7A-E82B7595DC6C}" type="datetimeFigureOut">
               <a:rPr lang="en-GB" smtClean="0"/>
-              <a:t>15/03/2021</a:t>
+              <a:t>02/03/2022</a:t>
             </a:fld>
             <a:endParaRPr lang="en-GB"/>
           </a:p>
@@ -1147,7 +1147,7 @@
           <a:p>
             <a:fld id="{0A70EEE9-CB05-5E4B-AF7A-E82B7595DC6C}" type="datetimeFigureOut">
               <a:rPr lang="en-GB" smtClean="0"/>
-              <a:t>15/03/2021</a:t>
+              <a:t>02/03/2022</a:t>
             </a:fld>
             <a:endParaRPr lang="en-GB"/>
           </a:p>
@@ -1412,7 +1412,7 @@
           <a:p>
             <a:fld id="{0A70EEE9-CB05-5E4B-AF7A-E82B7595DC6C}" type="datetimeFigureOut">
               <a:rPr lang="en-GB" smtClean="0"/>
-              <a:t>15/03/2021</a:t>
+              <a:t>02/03/2022</a:t>
             </a:fld>
             <a:endParaRPr lang="en-GB"/>
           </a:p>
@@ -1824,7 +1824,7 @@
           <a:p>
             <a:fld id="{0A70EEE9-CB05-5E4B-AF7A-E82B7595DC6C}" type="datetimeFigureOut">
               <a:rPr lang="en-GB" smtClean="0"/>
-              <a:t>15/03/2021</a:t>
+              <a:t>02/03/2022</a:t>
             </a:fld>
             <a:endParaRPr lang="en-GB"/>
           </a:p>
@@ -1965,7 +1965,7 @@
           <a:p>
             <a:fld id="{0A70EEE9-CB05-5E4B-AF7A-E82B7595DC6C}" type="datetimeFigureOut">
               <a:rPr lang="en-GB" smtClean="0"/>
-              <a:t>15/03/2021</a:t>
+              <a:t>02/03/2022</a:t>
             </a:fld>
             <a:endParaRPr lang="en-GB"/>
           </a:p>
@@ -2078,7 +2078,7 @@
           <a:p>
             <a:fld id="{0A70EEE9-CB05-5E4B-AF7A-E82B7595DC6C}" type="datetimeFigureOut">
               <a:rPr lang="en-GB" smtClean="0"/>
-              <a:t>15/03/2021</a:t>
+              <a:t>02/03/2022</a:t>
             </a:fld>
             <a:endParaRPr lang="en-GB"/>
           </a:p>
@@ -2389,7 +2389,7 @@
           <a:p>
             <a:fld id="{0A70EEE9-CB05-5E4B-AF7A-E82B7595DC6C}" type="datetimeFigureOut">
               <a:rPr lang="en-GB" smtClean="0"/>
-              <a:t>15/03/2021</a:t>
+              <a:t>02/03/2022</a:t>
             </a:fld>
             <a:endParaRPr lang="en-GB"/>
           </a:p>
@@ -2677,7 +2677,7 @@
           <a:p>
             <a:fld id="{0A70EEE9-CB05-5E4B-AF7A-E82B7595DC6C}" type="datetimeFigureOut">
               <a:rPr lang="en-GB" smtClean="0"/>
-              <a:t>15/03/2021</a:t>
+              <a:t>02/03/2022</a:t>
             </a:fld>
             <a:endParaRPr lang="en-GB"/>
           </a:p>
@@ -2918,7 +2918,7 @@
           <a:p>
             <a:fld id="{0A70EEE9-CB05-5E4B-AF7A-E82B7595DC6C}" type="datetimeFigureOut">
               <a:rPr lang="en-GB" smtClean="0"/>
-              <a:t>15/03/2021</a:t>
+              <a:t>02/03/2022</a:t>
             </a:fld>
             <a:endParaRPr lang="en-GB"/>
           </a:p>
@@ -4325,7 +4325,7 @@
                 <a:ea typeface="Menlo" panose="020B0609030804020204" pitchFamily="49" charset="0"/>
                 <a:cs typeface="Menlo" panose="020B0609030804020204" pitchFamily="49" charset="0"/>
               </a:rPr>
-              <a:t> &gt; ~/.</a:t>
+              <a:t> &gt; ~/&lt;your-</a:t>
             </a:r>
             <a:r>
               <a:rPr lang="en-GB" sz="2000" dirty="0" err="1">
@@ -4333,7 +4333,15 @@
                 <a:ea typeface="Menlo" panose="020B0609030804020204" pitchFamily="49" charset="0"/>
                 <a:cs typeface="Menlo" panose="020B0609030804020204" pitchFamily="49" charset="0"/>
               </a:rPr>
-              <a:t>pat.txt</a:t>
+              <a:t>github</a:t>
+            </a:r>
+            <a:r>
+              <a:rPr lang="en-GB" sz="2000">
+                <a:latin typeface="Menlo" panose="020B0609030804020204" pitchFamily="49" charset="0"/>
+                <a:ea typeface="Menlo" panose="020B0609030804020204" pitchFamily="49" charset="0"/>
+                <a:cs typeface="Menlo" panose="020B0609030804020204" pitchFamily="49" charset="0"/>
+              </a:rPr>
+              <a:t>-username&gt;.pat</a:t>
             </a:r>
             <a:endParaRPr lang="en-GB" sz="2000" dirty="0">
               <a:latin typeface="Menlo" panose="020B0609030804020204" pitchFamily="49" charset="0"/>
@@ -5314,7 +5322,7 @@
               <a:t>sudo</a:t>
             </a:r>
             <a:r>
-              <a:rPr lang="en-GB"/>
+              <a:rPr lang="en-GB" dirty="0"/>
               <a:t> apt-get install </a:t>
             </a:r>
             <a:r>
